--- a/documents/java-setup.pptx
+++ b/documents/java-setup.pptx
@@ -310,6 +310,7 @@
           <a:p>
             <a:fld id="{94772C69-F78E-478C-8424-CDD80BCA9603}" type="datetimeFigureOut">
               <a:rPr lang="en-US" smtClean="0"/>
+              <a:pPr/>
               <a:t>12/20/2022</a:t>
             </a:fld>
             <a:endParaRPr lang="en-US"/>
@@ -352,6 +353,7 @@
           <a:p>
             <a:fld id="{20E86DAF-725E-4664-A884-87F40A82C37B}" type="slidenum">
               <a:rPr lang="en-US" smtClean="0"/>
+              <a:pPr/>
               <a:t>‹#›</a:t>
             </a:fld>
             <a:endParaRPr lang="en-US"/>
@@ -475,6 +477,7 @@
           <a:p>
             <a:fld id="{94772C69-F78E-478C-8424-CDD80BCA9603}" type="datetimeFigureOut">
               <a:rPr lang="en-US" smtClean="0"/>
+              <a:pPr/>
               <a:t>12/20/2022</a:t>
             </a:fld>
             <a:endParaRPr lang="en-US"/>
@@ -517,6 +520,7 @@
           <a:p>
             <a:fld id="{20E86DAF-725E-4664-A884-87F40A82C37B}" type="slidenum">
               <a:rPr lang="en-US" smtClean="0"/>
+              <a:pPr/>
               <a:t>‹#›</a:t>
             </a:fld>
             <a:endParaRPr lang="en-US"/>
@@ -650,6 +654,7 @@
           <a:p>
             <a:fld id="{94772C69-F78E-478C-8424-CDD80BCA9603}" type="datetimeFigureOut">
               <a:rPr lang="en-US" smtClean="0"/>
+              <a:pPr/>
               <a:t>12/20/2022</a:t>
             </a:fld>
             <a:endParaRPr lang="en-US"/>
@@ -692,6 +697,7 @@
           <a:p>
             <a:fld id="{20E86DAF-725E-4664-A884-87F40A82C37B}" type="slidenum">
               <a:rPr lang="en-US" smtClean="0"/>
+              <a:pPr/>
               <a:t>‹#›</a:t>
             </a:fld>
             <a:endParaRPr lang="en-US"/>
@@ -815,6 +821,7 @@
           <a:p>
             <a:fld id="{94772C69-F78E-478C-8424-CDD80BCA9603}" type="datetimeFigureOut">
               <a:rPr lang="en-US" smtClean="0"/>
+              <a:pPr/>
               <a:t>12/20/2022</a:t>
             </a:fld>
             <a:endParaRPr lang="en-US"/>
@@ -857,6 +864,7 @@
           <a:p>
             <a:fld id="{20E86DAF-725E-4664-A884-87F40A82C37B}" type="slidenum">
               <a:rPr lang="en-US" smtClean="0"/>
+              <a:pPr/>
               <a:t>‹#›</a:t>
             </a:fld>
             <a:endParaRPr lang="en-US"/>
@@ -1056,6 +1064,7 @@
           <a:p>
             <a:fld id="{94772C69-F78E-478C-8424-CDD80BCA9603}" type="datetimeFigureOut">
               <a:rPr lang="en-US" smtClean="0"/>
+              <a:pPr/>
               <a:t>12/20/2022</a:t>
             </a:fld>
             <a:endParaRPr lang="en-US"/>
@@ -1098,6 +1107,7 @@
           <a:p>
             <a:fld id="{20E86DAF-725E-4664-A884-87F40A82C37B}" type="slidenum">
               <a:rPr lang="en-US" smtClean="0"/>
+              <a:pPr/>
               <a:t>‹#›</a:t>
             </a:fld>
             <a:endParaRPr lang="en-US"/>
@@ -1339,6 +1349,7 @@
           <a:p>
             <a:fld id="{94772C69-F78E-478C-8424-CDD80BCA9603}" type="datetimeFigureOut">
               <a:rPr lang="en-US" smtClean="0"/>
+              <a:pPr/>
               <a:t>12/20/2022</a:t>
             </a:fld>
             <a:endParaRPr lang="en-US"/>
@@ -1381,6 +1392,7 @@
           <a:p>
             <a:fld id="{20E86DAF-725E-4664-A884-87F40A82C37B}" type="slidenum">
               <a:rPr lang="en-US" smtClean="0"/>
+              <a:pPr/>
               <a:t>‹#›</a:t>
             </a:fld>
             <a:endParaRPr lang="en-US"/>
@@ -1756,6 +1768,7 @@
           <a:p>
             <a:fld id="{94772C69-F78E-478C-8424-CDD80BCA9603}" type="datetimeFigureOut">
               <a:rPr lang="en-US" smtClean="0"/>
+              <a:pPr/>
               <a:t>12/20/2022</a:t>
             </a:fld>
             <a:endParaRPr lang="en-US"/>
@@ -1798,6 +1811,7 @@
           <a:p>
             <a:fld id="{20E86DAF-725E-4664-A884-87F40A82C37B}" type="slidenum">
               <a:rPr lang="en-US" smtClean="0"/>
+              <a:pPr/>
               <a:t>‹#›</a:t>
             </a:fld>
             <a:endParaRPr lang="en-US"/>
@@ -1869,6 +1883,7 @@
           <a:p>
             <a:fld id="{94772C69-F78E-478C-8424-CDD80BCA9603}" type="datetimeFigureOut">
               <a:rPr lang="en-US" smtClean="0"/>
+              <a:pPr/>
               <a:t>12/20/2022</a:t>
             </a:fld>
             <a:endParaRPr lang="en-US"/>
@@ -1911,6 +1926,7 @@
           <a:p>
             <a:fld id="{20E86DAF-725E-4664-A884-87F40A82C37B}" type="slidenum">
               <a:rPr lang="en-US" smtClean="0"/>
+              <a:pPr/>
               <a:t>‹#›</a:t>
             </a:fld>
             <a:endParaRPr lang="en-US"/>
@@ -1959,6 +1975,7 @@
           <a:p>
             <a:fld id="{94772C69-F78E-478C-8424-CDD80BCA9603}" type="datetimeFigureOut">
               <a:rPr lang="en-US" smtClean="0"/>
+              <a:pPr/>
               <a:t>12/20/2022</a:t>
             </a:fld>
             <a:endParaRPr lang="en-US"/>
@@ -2001,6 +2018,7 @@
           <a:p>
             <a:fld id="{20E86DAF-725E-4664-A884-87F40A82C37B}" type="slidenum">
               <a:rPr lang="en-US" smtClean="0"/>
+              <a:pPr/>
               <a:t>‹#›</a:t>
             </a:fld>
             <a:endParaRPr lang="en-US"/>
@@ -2231,6 +2249,7 @@
           <a:p>
             <a:fld id="{94772C69-F78E-478C-8424-CDD80BCA9603}" type="datetimeFigureOut">
               <a:rPr lang="en-US" smtClean="0"/>
+              <a:pPr/>
               <a:t>12/20/2022</a:t>
             </a:fld>
             <a:endParaRPr lang="en-US"/>
@@ -2273,6 +2292,7 @@
           <a:p>
             <a:fld id="{20E86DAF-725E-4664-A884-87F40A82C37B}" type="slidenum">
               <a:rPr lang="en-US" smtClean="0"/>
+              <a:pPr/>
               <a:t>‹#›</a:t>
             </a:fld>
             <a:endParaRPr lang="en-US"/>
@@ -2479,6 +2499,7 @@
           <a:p>
             <a:fld id="{94772C69-F78E-478C-8424-CDD80BCA9603}" type="datetimeFigureOut">
               <a:rPr lang="en-US" smtClean="0"/>
+              <a:pPr/>
               <a:t>12/20/2022</a:t>
             </a:fld>
             <a:endParaRPr lang="en-US"/>
@@ -2521,6 +2542,7 @@
           <a:p>
             <a:fld id="{20E86DAF-725E-4664-A884-87F40A82C37B}" type="slidenum">
               <a:rPr lang="en-US" smtClean="0"/>
+              <a:pPr/>
               <a:t>‹#›</a:t>
             </a:fld>
             <a:endParaRPr lang="en-US"/>
@@ -2687,6 +2709,7 @@
           <a:p>
             <a:fld id="{94772C69-F78E-478C-8424-CDD80BCA9603}" type="datetimeFigureOut">
               <a:rPr lang="en-US" smtClean="0"/>
+              <a:pPr/>
               <a:t>12/20/2022</a:t>
             </a:fld>
             <a:endParaRPr lang="en-US"/>
@@ -2765,6 +2788,7 @@
           <a:p>
             <a:fld id="{20E86DAF-725E-4664-A884-87F40A82C37B}" type="slidenum">
               <a:rPr lang="en-US" smtClean="0"/>
+              <a:pPr/>
               <a:t>‹#›</a:t>
             </a:fld>
             <a:endParaRPr lang="en-US"/>
@@ -3354,7 +3378,6 @@
               <a:rPr lang="en-US" dirty="0" smtClean="0"/>
               <a:t>Click add</a:t>
             </a:r>
-            <a:endParaRPr lang="en-US" dirty="0" smtClean="0"/>
           </a:p>
         </p:txBody>
       </p:sp>
@@ -3485,7 +3508,6 @@
               <a:rPr lang="en-US" dirty="0" smtClean="0"/>
               <a:t>Click next</a:t>
             </a:r>
-            <a:endParaRPr lang="en-US" dirty="0" smtClean="0"/>
           </a:p>
         </p:txBody>
       </p:sp>
@@ -3556,7 +3578,6 @@
               <a:rPr lang="en-US" dirty="0" smtClean="0"/>
               <a:t>Click select folder</a:t>
             </a:r>
-            <a:endParaRPr lang="en-US" dirty="0" smtClean="0"/>
           </a:p>
         </p:txBody>
       </p:sp>
@@ -3674,7 +3695,6 @@
               <a:rPr lang="en-US" dirty="0" smtClean="0"/>
               <a:t>Click finish</a:t>
             </a:r>
-            <a:endParaRPr lang="en-US" dirty="0" smtClean="0"/>
           </a:p>
         </p:txBody>
       </p:sp>
@@ -3885,7 +3905,6 @@
               <a:rPr lang="en-US" dirty="0" smtClean="0"/>
               <a:t>Click compiler on the left</a:t>
             </a:r>
-            <a:endParaRPr lang="en-US" dirty="0" smtClean="0"/>
           </a:p>
         </p:txBody>
       </p:sp>
@@ -3940,7 +3959,6 @@
               <a:rPr lang="en-US" dirty="0" smtClean="0"/>
               <a:t>Click apply and close</a:t>
             </a:r>
-            <a:endParaRPr lang="en-US" dirty="0" smtClean="0"/>
           </a:p>
         </p:txBody>
       </p:sp>
@@ -4274,9 +4292,59 @@
           </a:p>
         </p:txBody>
       </p:sp>
+      <p:sp>
+        <p:nvSpPr>
+          <p:cNvPr id="5" name="TextBox 4"/>
+          <p:cNvSpPr txBox="1"/>
+          <p:nvPr/>
+        </p:nvSpPr>
+        <p:spPr>
+          <a:xfrm>
+            <a:off x="1447800" y="2286000"/>
+            <a:ext cx="3636445" cy="369332"/>
+          </a:xfrm>
+          <a:prstGeom prst="rect">
+            <a:avLst/>
+          </a:prstGeom>
+          <a:noFill/>
+        </p:spPr>
+        <p:txBody>
+          <a:bodyPr wrap="none" rtlCol="0">
+            <a:spAutoFit/>
+          </a:bodyPr>
+          <a:lstStyle/>
+          <a:p>
+            <a:r>
+              <a:rPr lang="en-US" dirty="0" smtClean="0"/>
+              <a:t>Type </a:t>
+            </a:r>
+            <a:r>
+              <a:rPr lang="en-US" dirty="0" err="1" smtClean="0"/>
+              <a:t>git</a:t>
+            </a:r>
+            <a:r>
+              <a:rPr lang="en-US" dirty="0" smtClean="0"/>
+              <a:t> repo &gt; select </a:t>
+            </a:r>
+            <a:r>
+              <a:rPr lang="en-US" dirty="0" err="1" smtClean="0"/>
+              <a:t>git</a:t>
+            </a:r>
+            <a:r>
+              <a:rPr lang="en-US" dirty="0" smtClean="0"/>
+              <a:t> </a:t>
+            </a:r>
+            <a:r>
+              <a:rPr lang="en-US" dirty="0" smtClean="0"/>
+              <a:t>repositories</a:t>
+            </a:r>
+            <a:endParaRPr lang="en-US" dirty="0"/>
+          </a:p>
+        </p:txBody>
+      </p:sp>
       <p:pic>
         <p:nvPicPr>
-          <p:cNvPr id="7170" name="Picture 2"/>
+          <p:cNvPr id="7171" name="Picture 3"/>
           <p:cNvPicPr>
             <a:picLocks noChangeAspect="1" noChangeArrowheads="1"/>
           </p:cNvPicPr>
@@ -4291,8 +4359,8 @@
         </p:blipFill>
         <p:spPr bwMode="auto">
           <a:xfrm>
-            <a:off x="533400" y="2590800"/>
-            <a:ext cx="4562475" cy="1552575"/>
+            <a:off x="381000" y="4679879"/>
+            <a:ext cx="3657600" cy="2178121"/>
           </a:xfrm>
           <a:prstGeom prst="rect">
             <a:avLst/>
@@ -4308,14 +4376,14 @@
       </p:pic>
       <p:sp>
         <p:nvSpPr>
-          <p:cNvPr id="5" name="TextBox 4"/>
+          <p:cNvPr id="7" name="TextBox 6"/>
           <p:cNvSpPr txBox="1"/>
           <p:nvPr/>
         </p:nvSpPr>
         <p:spPr>
           <a:xfrm>
-            <a:off x="1447800" y="2286000"/>
-            <a:ext cx="3483711" cy="369332"/>
+            <a:off x="4495800" y="5486400"/>
+            <a:ext cx="2166683" cy="646331"/>
           </a:xfrm>
           <a:prstGeom prst="rect">
             <a:avLst/>
@@ -4330,7 +4398,7 @@
           <a:p>
             <a:r>
               <a:rPr lang="en-US" dirty="0" smtClean="0"/>
-              <a:t>Type </a:t>
+              <a:t>Click green </a:t>
             </a:r>
             <a:r>
               <a:rPr lang="en-US" dirty="0" err="1" smtClean="0"/>
@@ -4338,7 +4406,13 @@
             </a:r>
             <a:r>
               <a:rPr lang="en-US" dirty="0" smtClean="0"/>
-              <a:t> repo &gt; select </a:t>
+              <a:t> icon</a:t>
+            </a:r>
+          </a:p>
+          <a:p>
+            <a:r>
+              <a:rPr lang="en-US" dirty="0" smtClean="0"/>
+              <a:t>(Clone </a:t>
             </a:r>
             <a:r>
               <a:rPr lang="en-US" dirty="0" err="1" smtClean="0"/>
@@ -4346,7 +4420,7 @@
             </a:r>
             <a:r>
               <a:rPr lang="en-US" dirty="0" smtClean="0"/>
-              <a:t> repository</a:t>
+              <a:t> repository)</a:t>
             </a:r>
             <a:endParaRPr lang="en-US" dirty="0"/>
           </a:p>
@@ -4354,7 +4428,7 @@
       </p:sp>
       <p:pic>
         <p:nvPicPr>
-          <p:cNvPr id="7171" name="Picture 3"/>
+          <p:cNvPr id="2050" name="Picture 2"/>
           <p:cNvPicPr>
             <a:picLocks noChangeAspect="1" noChangeArrowheads="1"/>
           </p:cNvPicPr>
@@ -4369,8 +4443,8 @@
         </p:blipFill>
         <p:spPr bwMode="auto">
           <a:xfrm>
-            <a:off x="381000" y="4679879"/>
-            <a:ext cx="3657600" cy="2178121"/>
+            <a:off x="609600" y="2743200"/>
+            <a:ext cx="4438650" cy="1533525"/>
           </a:xfrm>
           <a:prstGeom prst="rect">
             <a:avLst/>
@@ -4384,58 +4458,6 @@
           </a:ln>
         </p:spPr>
       </p:pic>
-      <p:sp>
-        <p:nvSpPr>
-          <p:cNvPr id="7" name="TextBox 6"/>
-          <p:cNvSpPr txBox="1"/>
-          <p:nvPr/>
-        </p:nvSpPr>
-        <p:spPr>
-          <a:xfrm>
-            <a:off x="4495800" y="5486400"/>
-            <a:ext cx="2166683" cy="646331"/>
-          </a:xfrm>
-          <a:prstGeom prst="rect">
-            <a:avLst/>
-          </a:prstGeom>
-          <a:noFill/>
-        </p:spPr>
-        <p:txBody>
-          <a:bodyPr wrap="none" rtlCol="0">
-            <a:spAutoFit/>
-          </a:bodyPr>
-          <a:lstStyle/>
-          <a:p>
-            <a:r>
-              <a:rPr lang="en-US" dirty="0" smtClean="0"/>
-              <a:t>Click green </a:t>
-            </a:r>
-            <a:r>
-              <a:rPr lang="en-US" dirty="0" err="1" smtClean="0"/>
-              <a:t>git</a:t>
-            </a:r>
-            <a:r>
-              <a:rPr lang="en-US" dirty="0" smtClean="0"/>
-              <a:t> icon</a:t>
-            </a:r>
-          </a:p>
-          <a:p>
-            <a:r>
-              <a:rPr lang="en-US" dirty="0" smtClean="0"/>
-              <a:t>(Clone </a:t>
-            </a:r>
-            <a:r>
-              <a:rPr lang="en-US" dirty="0" err="1" smtClean="0"/>
-              <a:t>git</a:t>
-            </a:r>
-            <a:r>
-              <a:rPr lang="en-US" dirty="0" smtClean="0"/>
-              <a:t> repository)</a:t>
-            </a:r>
-            <a:endParaRPr lang="en-US" dirty="0"/>
-          </a:p>
-        </p:txBody>
-      </p:sp>
     </p:spTree>
   </p:cSld>
   <p:clrMapOvr>
@@ -5508,8 +5530,8 @@
         </p:nvSpPr>
         <p:spPr bwMode="auto">
           <a:xfrm>
-            <a:off x="1" y="98794"/>
-            <a:ext cx="9144000" cy="1631216"/>
+            <a:off x="1" y="227112"/>
+            <a:ext cx="9144000" cy="2554545"/>
           </a:xfrm>
           <a:prstGeom prst="rect">
             <a:avLst/>
@@ -5635,7 +5657,139 @@
                 <a:ea typeface="Calibri" pitchFamily="34" charset="0"/>
                 <a:cs typeface="Times New Roman" pitchFamily="18" charset="0"/>
               </a:rPr>
-              <a:t>Install java (use default values from java installer and complete installation (click next </a:t>
+              <a:t>Download the </a:t>
+            </a:r>
+            <a:r>
+              <a:rPr kumimoji="0" lang="en-US" sz="2000" b="0" i="0" u="none" strike="noStrike" cap="none" normalizeH="0" baseline="0" dirty="0" err="1" smtClean="0">
+                <a:ln>
+                  <a:noFill/>
+                </a:ln>
+                <a:solidFill>
+                  <a:schemeClr val="tx1"/>
+                </a:solidFill>
+                <a:effectLst/>
+                <a:latin typeface="Calibri" pitchFamily="34" charset="0"/>
+                <a:ea typeface="Calibri" pitchFamily="34" charset="0"/>
+                <a:cs typeface="Times New Roman" pitchFamily="18" charset="0"/>
+              </a:rPr>
+              <a:t>jdk</a:t>
+            </a:r>
+            <a:r>
+              <a:rPr kumimoji="0" lang="en-US" sz="2000" b="0" i="0" u="none" strike="noStrike" cap="none" normalizeH="0" baseline="0" dirty="0" smtClean="0">
+                <a:ln>
+                  <a:noFill/>
+                </a:ln>
+                <a:solidFill>
+                  <a:schemeClr val="tx1"/>
+                </a:solidFill>
+                <a:effectLst/>
+                <a:latin typeface="Calibri" pitchFamily="34" charset="0"/>
+                <a:ea typeface="Calibri" pitchFamily="34" charset="0"/>
+                <a:cs typeface="Times New Roman" pitchFamily="18" charset="0"/>
+              </a:rPr>
+              <a:t> after repeating steps from previous slide</a:t>
+            </a:r>
+          </a:p>
+          <a:p>
+            <a:pPr marL="0" marR="0" lvl="0" indent="0" algn="l" defTabSz="914400" rtl="0" eaLnBrk="0" fontAlgn="base" latinLnBrk="0" hangingPunct="0">
+              <a:lnSpc>
+                <a:spcPct val="100000"/>
+              </a:lnSpc>
+              <a:spcBef>
+                <a:spcPct val="0"/>
+              </a:spcBef>
+              <a:spcAft>
+                <a:spcPct val="0"/>
+              </a:spcAft>
+              <a:buClrTx/>
+              <a:buSzTx/>
+              <a:buFontTx/>
+              <a:buChar char="•"/>
+              <a:tabLst/>
+            </a:pPr>
+            <a:r>
+              <a:rPr lang="en-US" sz="2000" dirty="0" smtClean="0">
+                <a:latin typeface="Calibri" pitchFamily="34" charset="0"/>
+                <a:ea typeface="Calibri" pitchFamily="34" charset="0"/>
+                <a:cs typeface="Times New Roman" pitchFamily="18" charset="0"/>
+              </a:rPr>
+              <a:t>Go to download folders and double click the </a:t>
+            </a:r>
+            <a:r>
+              <a:rPr lang="en-US" sz="2000" dirty="0" err="1" smtClean="0">
+                <a:latin typeface="Calibri" pitchFamily="34" charset="0"/>
+                <a:ea typeface="Calibri" pitchFamily="34" charset="0"/>
+                <a:cs typeface="Times New Roman" pitchFamily="18" charset="0"/>
+              </a:rPr>
+              <a:t>jdk</a:t>
+            </a:r>
+            <a:r>
+              <a:rPr lang="en-US" sz="2000" dirty="0" smtClean="0">
+                <a:latin typeface="Calibri" pitchFamily="34" charset="0"/>
+                <a:ea typeface="Calibri" pitchFamily="34" charset="0"/>
+                <a:cs typeface="Times New Roman" pitchFamily="18" charset="0"/>
+              </a:rPr>
+              <a:t> installer file</a:t>
+            </a:r>
+            <a:endParaRPr kumimoji="0" lang="en-US" sz="2000" b="0" i="0" u="none" strike="noStrike" cap="none" normalizeH="0" baseline="0" dirty="0" smtClean="0">
+              <a:ln>
+                <a:noFill/>
+              </a:ln>
+              <a:solidFill>
+                <a:schemeClr val="tx1"/>
+              </a:solidFill>
+              <a:effectLst/>
+              <a:latin typeface="Calibri" pitchFamily="34" charset="0"/>
+              <a:ea typeface="Calibri" pitchFamily="34" charset="0"/>
+              <a:cs typeface="Times New Roman" pitchFamily="18" charset="0"/>
+            </a:endParaRPr>
+          </a:p>
+          <a:p>
+            <a:pPr marL="0" marR="0" lvl="0" indent="0" algn="l" defTabSz="914400" rtl="0" eaLnBrk="0" fontAlgn="base" latinLnBrk="0" hangingPunct="0">
+              <a:lnSpc>
+                <a:spcPct val="100000"/>
+              </a:lnSpc>
+              <a:spcBef>
+                <a:spcPct val="0"/>
+              </a:spcBef>
+              <a:spcAft>
+                <a:spcPct val="0"/>
+              </a:spcAft>
+              <a:buClrTx/>
+              <a:buSzTx/>
+              <a:buFontTx/>
+              <a:buChar char="•"/>
+              <a:tabLst/>
+            </a:pPr>
+            <a:r>
+              <a:rPr kumimoji="0" lang="en-US" sz="2000" b="0" i="0" u="none" strike="noStrike" cap="none" normalizeH="0" baseline="0" dirty="0" smtClean="0">
+                <a:ln>
+                  <a:noFill/>
+                </a:ln>
+                <a:solidFill>
+                  <a:schemeClr val="tx1"/>
+                </a:solidFill>
+                <a:effectLst/>
+                <a:latin typeface="Calibri" pitchFamily="34" charset="0"/>
+                <a:ea typeface="Calibri" pitchFamily="34" charset="0"/>
+                <a:cs typeface="Times New Roman" pitchFamily="18" charset="0"/>
+              </a:rPr>
+              <a:t>Install </a:t>
+            </a:r>
+            <a:r>
+              <a:rPr kumimoji="0" lang="en-US" sz="2000" b="0" i="0" u="none" strike="noStrike" cap="none" normalizeH="0" baseline="0" dirty="0" smtClean="0">
+                <a:ln>
+                  <a:noFill/>
+                </a:ln>
+                <a:solidFill>
+                  <a:schemeClr val="tx1"/>
+                </a:solidFill>
+                <a:effectLst/>
+                <a:latin typeface="Calibri" pitchFamily="34" charset="0"/>
+                <a:ea typeface="Calibri" pitchFamily="34" charset="0"/>
+                <a:cs typeface="Times New Roman" pitchFamily="18" charset="0"/>
+              </a:rPr>
+              <a:t>java (use default values from java installer and complete installation (click next </a:t>
             </a:r>
             <a:r>
               <a:rPr kumimoji="0" lang="en-US" sz="2000" b="0" i="0" u="none" strike="noStrike" cap="none" normalizeH="0" baseline="0" dirty="0" err="1" smtClean="0">
@@ -5709,14 +5863,64 @@
                 <a:ea typeface="Calibri" pitchFamily="34" charset="0"/>
                 <a:cs typeface="Times New Roman" pitchFamily="18" charset="0"/>
               </a:rPr>
-              <a:t>Check in Program Files for folder C:\Program Files\Java</a:t>
-            </a:r>
-            <a:endParaRPr kumimoji="0" lang="en-US" sz="2000" b="0" i="0" u="none" strike="noStrike" cap="none" normalizeH="0" baseline="0" dirty="0" smtClean="0">
+              <a:t>Check in Program Files for folder C:\Program </a:t>
+            </a:r>
+            <a:r>
+              <a:rPr kumimoji="0" lang="en-US" sz="2000" b="0" i="0" u="none" strike="noStrike" cap="none" normalizeH="0" baseline="0" dirty="0" smtClean="0">
+                <a:ln>
+                  <a:noFill/>
+                </a:ln>
+                <a:solidFill>
+                  <a:schemeClr val="tx1"/>
+                </a:solidFill>
+                <a:effectLst/>
+                <a:latin typeface="Calibri" pitchFamily="34" charset="0"/>
+                <a:ea typeface="Calibri" pitchFamily="34" charset="0"/>
+                <a:cs typeface="Times New Roman" pitchFamily="18" charset="0"/>
+              </a:rPr>
+              <a:t>Files\Java</a:t>
+            </a:r>
+          </a:p>
+          <a:p>
+            <a:pPr marL="0" marR="0" lvl="0" indent="0" algn="l" defTabSz="914400" rtl="0" eaLnBrk="0" fontAlgn="base" latinLnBrk="0" hangingPunct="0">
+              <a:lnSpc>
+                <a:spcPct val="100000"/>
+              </a:lnSpc>
+              <a:spcBef>
+                <a:spcPct val="0"/>
+              </a:spcBef>
+              <a:spcAft>
+                <a:spcPct val="0"/>
+              </a:spcAft>
+              <a:buClrTx/>
+              <a:buSzTx/>
+              <a:buFontTx/>
+              <a:buChar char="•"/>
+              <a:tabLst/>
+            </a:pPr>
+            <a:r>
+              <a:rPr lang="en-US" sz="2000" dirty="0" smtClean="0">
+                <a:latin typeface="Calibri" pitchFamily="34" charset="0"/>
+                <a:cs typeface="Times New Roman" pitchFamily="18" charset="0"/>
+              </a:rPr>
+              <a:t>Ensure the java folder contains </a:t>
+            </a:r>
+            <a:r>
+              <a:rPr lang="en-US" sz="2000" b="1" dirty="0" smtClean="0">
+                <a:solidFill>
+                  <a:srgbClr val="FF0000"/>
+                </a:solidFill>
+                <a:latin typeface="Calibri" pitchFamily="34" charset="0"/>
+                <a:cs typeface="Times New Roman" pitchFamily="18" charset="0"/>
+              </a:rPr>
+              <a:t>“JDK”</a:t>
+            </a:r>
+            <a:endParaRPr kumimoji="0" lang="en-US" sz="2000" b="1" i="0" u="none" strike="noStrike" cap="none" normalizeH="0" baseline="0" dirty="0" smtClean="0">
               <a:ln>
                 <a:noFill/>
               </a:ln>
               <a:solidFill>
-                <a:schemeClr val="tx1"/>
+                <a:srgbClr val="FF0000"/>
               </a:solidFill>
               <a:effectLst/>
               <a:latin typeface="Arial" pitchFamily="34" charset="0"/>
@@ -5740,7 +5944,7 @@
         </p:blipFill>
         <p:spPr bwMode="auto">
           <a:xfrm>
-            <a:off x="1447800" y="2057400"/>
+            <a:off x="228600" y="2819400"/>
             <a:ext cx="3613150" cy="1193800"/>
           </a:xfrm>
           <a:prstGeom prst="rect">
@@ -5765,7 +5969,7 @@
         </p:nvSpPr>
         <p:spPr bwMode="auto">
           <a:xfrm>
-            <a:off x="304800" y="3496271"/>
+            <a:off x="304800" y="4554141"/>
             <a:ext cx="7543800" cy="1846659"/>
           </a:xfrm>
           <a:prstGeom prst="rect">
@@ -6237,6 +6441,38 @@
           </a:p>
         </p:txBody>
       </p:sp>
+      <p:pic>
+        <p:nvPicPr>
+          <p:cNvPr id="1026" name="Picture 2"/>
+          <p:cNvPicPr>
+            <a:picLocks noChangeAspect="1" noChangeArrowheads="1"/>
+          </p:cNvPicPr>
+          <p:nvPr/>
+        </p:nvPicPr>
+        <p:blipFill>
+          <a:blip r:embed="rId3" cstate="print"/>
+          <a:srcRect/>
+          <a:stretch>
+            <a:fillRect/>
+          </a:stretch>
+        </p:blipFill>
+        <p:spPr bwMode="auto">
+          <a:xfrm>
+            <a:off x="4419600" y="2590800"/>
+            <a:ext cx="3676650" cy="1495425"/>
+          </a:xfrm>
+          <a:prstGeom prst="rect">
+            <a:avLst/>
+          </a:prstGeom>
+          <a:noFill/>
+          <a:ln w="9525">
+            <a:noFill/>
+            <a:miter lim="800000"/>
+            <a:headEnd/>
+            <a:tailEnd/>
+          </a:ln>
+        </p:spPr>
+      </p:pic>
     </p:spTree>
   </p:cSld>
   <p:clrMapOvr>
@@ -7467,18 +7703,6 @@
               </a:rPr>
               <a:t>Enter location where you would like to keep java projects</a:t>
             </a:r>
-            <a:endParaRPr kumimoji="0" lang="en-US" sz="2000" b="0" i="0" u="none" strike="noStrike" cap="none" normalizeH="0" baseline="0" dirty="0" smtClean="0">
-              <a:ln>
-                <a:noFill/>
-              </a:ln>
-              <a:solidFill>
-                <a:schemeClr val="tx1"/>
-              </a:solidFill>
-              <a:effectLst/>
-              <a:latin typeface="Calibri" pitchFamily="34" charset="0"/>
-              <a:ea typeface="Calibri" pitchFamily="34" charset="0"/>
-              <a:cs typeface="Times New Roman" pitchFamily="18" charset="0"/>
-            </a:endParaRPr>
           </a:p>
         </p:txBody>
       </p:sp>
@@ -7563,7 +7787,6 @@
               <a:rPr lang="en-US" dirty="0" smtClean="0"/>
               <a:t>Select new &gt; java project</a:t>
             </a:r>
-            <a:endParaRPr lang="en-US" dirty="0" smtClean="0"/>
           </a:p>
         </p:txBody>
       </p:sp>

--- a/documents/java-setup.pptx
+++ b/documents/java-setup.pptx
@@ -13,21 +13,24 @@
     <p:sldId id="259" r:id="rId7"/>
     <p:sldId id="260" r:id="rId8"/>
     <p:sldId id="261" r:id="rId9"/>
-    <p:sldId id="268" r:id="rId10"/>
-    <p:sldId id="262" r:id="rId11"/>
-    <p:sldId id="263" r:id="rId12"/>
-    <p:sldId id="264" r:id="rId13"/>
-    <p:sldId id="276" r:id="rId14"/>
-    <p:sldId id="265" r:id="rId15"/>
-    <p:sldId id="277" r:id="rId16"/>
-    <p:sldId id="271" r:id="rId17"/>
-    <p:sldId id="266" r:id="rId18"/>
-    <p:sldId id="267" r:id="rId19"/>
-    <p:sldId id="278" r:id="rId20"/>
-    <p:sldId id="272" r:id="rId21"/>
-    <p:sldId id="273" r:id="rId22"/>
-    <p:sldId id="274" r:id="rId23"/>
-    <p:sldId id="275" r:id="rId24"/>
+    <p:sldId id="281" r:id="rId10"/>
+    <p:sldId id="280" r:id="rId11"/>
+    <p:sldId id="268" r:id="rId12"/>
+    <p:sldId id="262" r:id="rId13"/>
+    <p:sldId id="263" r:id="rId14"/>
+    <p:sldId id="264" r:id="rId15"/>
+    <p:sldId id="276" r:id="rId16"/>
+    <p:sldId id="265" r:id="rId17"/>
+    <p:sldId id="277" r:id="rId18"/>
+    <p:sldId id="271" r:id="rId19"/>
+    <p:sldId id="266" r:id="rId20"/>
+    <p:sldId id="267" r:id="rId21"/>
+    <p:sldId id="278" r:id="rId22"/>
+    <p:sldId id="272" r:id="rId23"/>
+    <p:sldId id="273" r:id="rId24"/>
+    <p:sldId id="274" r:id="rId25"/>
+    <p:sldId id="275" r:id="rId26"/>
+    <p:sldId id="279" r:id="rId27"/>
   </p:sldIdLst>
   <p:sldSz cx="9144000" cy="6858000" type="screen4x3"/>
   <p:notesSz cx="6858000" cy="9144000"/>
@@ -311,7 +314,7 @@
             <a:fld id="{94772C69-F78E-478C-8424-CDD80BCA9603}" type="datetimeFigureOut">
               <a:rPr lang="en-US" smtClean="0"/>
               <a:pPr/>
-              <a:t>12/20/2022</a:t>
+              <a:t>12/22/2022</a:t>
             </a:fld>
             <a:endParaRPr lang="en-US"/>
           </a:p>
@@ -478,7 +481,7 @@
             <a:fld id="{94772C69-F78E-478C-8424-CDD80BCA9603}" type="datetimeFigureOut">
               <a:rPr lang="en-US" smtClean="0"/>
               <a:pPr/>
-              <a:t>12/20/2022</a:t>
+              <a:t>12/22/2022</a:t>
             </a:fld>
             <a:endParaRPr lang="en-US"/>
           </a:p>
@@ -655,7 +658,7 @@
             <a:fld id="{94772C69-F78E-478C-8424-CDD80BCA9603}" type="datetimeFigureOut">
               <a:rPr lang="en-US" smtClean="0"/>
               <a:pPr/>
-              <a:t>12/20/2022</a:t>
+              <a:t>12/22/2022</a:t>
             </a:fld>
             <a:endParaRPr lang="en-US"/>
           </a:p>
@@ -822,7 +825,7 @@
             <a:fld id="{94772C69-F78E-478C-8424-CDD80BCA9603}" type="datetimeFigureOut">
               <a:rPr lang="en-US" smtClean="0"/>
               <a:pPr/>
-              <a:t>12/20/2022</a:t>
+              <a:t>12/22/2022</a:t>
             </a:fld>
             <a:endParaRPr lang="en-US"/>
           </a:p>
@@ -1065,7 +1068,7 @@
             <a:fld id="{94772C69-F78E-478C-8424-CDD80BCA9603}" type="datetimeFigureOut">
               <a:rPr lang="en-US" smtClean="0"/>
               <a:pPr/>
-              <a:t>12/20/2022</a:t>
+              <a:t>12/22/2022</a:t>
             </a:fld>
             <a:endParaRPr lang="en-US"/>
           </a:p>
@@ -1350,7 +1353,7 @@
             <a:fld id="{94772C69-F78E-478C-8424-CDD80BCA9603}" type="datetimeFigureOut">
               <a:rPr lang="en-US" smtClean="0"/>
               <a:pPr/>
-              <a:t>12/20/2022</a:t>
+              <a:t>12/22/2022</a:t>
             </a:fld>
             <a:endParaRPr lang="en-US"/>
           </a:p>
@@ -1769,7 +1772,7 @@
             <a:fld id="{94772C69-F78E-478C-8424-CDD80BCA9603}" type="datetimeFigureOut">
               <a:rPr lang="en-US" smtClean="0"/>
               <a:pPr/>
-              <a:t>12/20/2022</a:t>
+              <a:t>12/22/2022</a:t>
             </a:fld>
             <a:endParaRPr lang="en-US"/>
           </a:p>
@@ -1884,7 +1887,7 @@
             <a:fld id="{94772C69-F78E-478C-8424-CDD80BCA9603}" type="datetimeFigureOut">
               <a:rPr lang="en-US" smtClean="0"/>
               <a:pPr/>
-              <a:t>12/20/2022</a:t>
+              <a:t>12/22/2022</a:t>
             </a:fld>
             <a:endParaRPr lang="en-US"/>
           </a:p>
@@ -1976,7 +1979,7 @@
             <a:fld id="{94772C69-F78E-478C-8424-CDD80BCA9603}" type="datetimeFigureOut">
               <a:rPr lang="en-US" smtClean="0"/>
               <a:pPr/>
-              <a:t>12/20/2022</a:t>
+              <a:t>12/22/2022</a:t>
             </a:fld>
             <a:endParaRPr lang="en-US"/>
           </a:p>
@@ -2250,7 +2253,7 @@
             <a:fld id="{94772C69-F78E-478C-8424-CDD80BCA9603}" type="datetimeFigureOut">
               <a:rPr lang="en-US" smtClean="0"/>
               <a:pPr/>
-              <a:t>12/20/2022</a:t>
+              <a:t>12/22/2022</a:t>
             </a:fld>
             <a:endParaRPr lang="en-US"/>
           </a:p>
@@ -2500,7 +2503,7 @@
             <a:fld id="{94772C69-F78E-478C-8424-CDD80BCA9603}" type="datetimeFigureOut">
               <a:rPr lang="en-US" smtClean="0"/>
               <a:pPr/>
-              <a:t>12/20/2022</a:t>
+              <a:t>12/22/2022</a:t>
             </a:fld>
             <a:endParaRPr lang="en-US"/>
           </a:p>
@@ -2710,7 +2713,7 @@
             <a:fld id="{94772C69-F78E-478C-8424-CDD80BCA9603}" type="datetimeFigureOut">
               <a:rPr lang="en-US" smtClean="0"/>
               <a:pPr/>
-              <a:t>12/20/2022</a:t>
+              <a:t>12/22/2022</a:t>
             </a:fld>
             <a:endParaRPr lang="en-US"/>
           </a:p>
@@ -3192,23 +3195,18 @@
           <a:chExt cx="0" cy="0"/>
         </a:xfrm>
       </p:grpSpPr>
-      <p:pic>
-        <p:nvPicPr>
-          <p:cNvPr id="2" name="Picture 1"/>
-          <p:cNvPicPr/>
+      <p:sp>
+        <p:nvSpPr>
+          <p:cNvPr id="12289" name="Rectangle 1"/>
+          <p:cNvSpPr>
+            <a:spLocks noChangeArrowheads="1"/>
+          </p:cNvSpPr>
           <p:nvPr/>
-        </p:nvPicPr>
-        <p:blipFill>
-          <a:blip r:embed="rId2" cstate="print"/>
-          <a:srcRect/>
-          <a:stretch>
-            <a:fillRect/>
-          </a:stretch>
-        </p:blipFill>
+        </p:nvSpPr>
         <p:spPr bwMode="auto">
           <a:xfrm>
-            <a:off x="762000" y="1295400"/>
-            <a:ext cx="7010400" cy="2667000"/>
+            <a:off x="304800" y="3002697"/>
+            <a:ext cx="6934200" cy="707886"/>
           </a:xfrm>
           <a:prstGeom prst="rect">
             <a:avLst/>
@@ -3220,115 +3218,49 @@
             <a:headEnd/>
             <a:tailEnd/>
           </a:ln>
-        </p:spPr>
-      </p:pic>
-      <p:pic>
-        <p:nvPicPr>
-          <p:cNvPr id="3" name="Picture 2"/>
-          <p:cNvPicPr/>
-          <p:nvPr/>
-        </p:nvPicPr>
-        <p:blipFill>
-          <a:blip r:embed="rId3" cstate="print"/>
-          <a:srcRect/>
-          <a:stretch>
-            <a:fillRect/>
-          </a:stretch>
-        </p:blipFill>
-        <p:spPr bwMode="auto">
-          <a:xfrm>
-            <a:off x="685800" y="4724400"/>
-            <a:ext cx="6858000" cy="1219200"/>
-          </a:xfrm>
-          <a:prstGeom prst="rect">
-            <a:avLst/>
-          </a:prstGeom>
-          <a:noFill/>
-          <a:ln w="9525">
-            <a:noFill/>
-            <a:miter lim="800000"/>
-            <a:headEnd/>
-            <a:tailEnd/>
-          </a:ln>
-        </p:spPr>
-      </p:pic>
-      <p:sp>
-        <p:nvSpPr>
-          <p:cNvPr id="4" name="Rectangle 3"/>
-          <p:cNvSpPr/>
-          <p:nvPr/>
-        </p:nvSpPr>
-        <p:spPr>
-          <a:xfrm>
-            <a:off x="1143000" y="152400"/>
-            <a:ext cx="4572000" cy="923330"/>
-          </a:xfrm>
-          <a:prstGeom prst="rect">
-            <a:avLst/>
-          </a:prstGeom>
-        </p:spPr>
-        <p:txBody>
-          <a:bodyPr>
+          <a:effectLst/>
+        </p:spPr>
+        <p:txBody>
+          <a:bodyPr vert="horz" wrap="square" lIns="91440" tIns="45720" rIns="91440" bIns="45720" numCol="1" anchor="ctr" anchorCtr="0" compatLnSpc="1">
+            <a:prstTxWarp prst="textNoShape">
+              <a:avLst/>
+            </a:prstTxWarp>
             <a:spAutoFit/>
           </a:bodyPr>
           <a:lstStyle/>
           <a:p>
-            <a:pPr lvl="1" eaLnBrk="0" fontAlgn="base" hangingPunct="0">
+            <a:pPr marL="0" marR="0" lvl="0" indent="0" algn="l" defTabSz="914400" rtl="0" eaLnBrk="1" fontAlgn="base" latinLnBrk="0" hangingPunct="1">
+              <a:lnSpc>
+                <a:spcPct val="100000"/>
+              </a:lnSpc>
               <a:spcBef>
                 <a:spcPct val="0"/>
               </a:spcBef>
               <a:spcAft>
                 <a:spcPct val="0"/>
               </a:spcAft>
+              <a:buClrTx/>
+              <a:buSzTx/>
               <a:buFontTx/>
-              <a:buAutoNum type="arabicPeriod"/>
+              <a:buNone/>
+              <a:tabLst/>
             </a:pPr>
             <a:r>
-              <a:rPr lang="en-US" dirty="0" smtClean="0"/>
-              <a:t>Enter project name</a:t>
-            </a:r>
-          </a:p>
-          <a:p>
-            <a:pPr lvl="1" eaLnBrk="0" fontAlgn="base" hangingPunct="0">
-              <a:spcBef>
-                <a:spcPct val="0"/>
-              </a:spcBef>
-              <a:spcAft>
-                <a:spcPct val="0"/>
-              </a:spcAft>
-              <a:buFontTx/>
-              <a:buAutoNum type="arabicPeriod"/>
-            </a:pPr>
-            <a:r>
-              <a:rPr lang="en-US" dirty="0" smtClean="0"/>
-              <a:t>Select default </a:t>
-            </a:r>
-            <a:r>
-              <a:rPr lang="en-US" dirty="0" err="1" smtClean="0"/>
-              <a:t>jre</a:t>
-            </a:r>
-            <a:endParaRPr lang="en-US" dirty="0" smtClean="0"/>
-          </a:p>
-          <a:p>
-            <a:pPr lvl="2" eaLnBrk="0" fontAlgn="base" hangingPunct="0">
-              <a:spcBef>
-                <a:spcPct val="0"/>
-              </a:spcBef>
-              <a:spcAft>
-                <a:spcPct val="0"/>
-              </a:spcAft>
-              <a:buFontTx/>
-              <a:buAutoNum type="arabicPeriod"/>
-            </a:pPr>
-            <a:r>
-              <a:rPr lang="en-US" dirty="0" smtClean="0"/>
-              <a:t>Click configure </a:t>
-            </a:r>
-            <a:r>
-              <a:rPr lang="en-US" dirty="0" err="1" smtClean="0"/>
-              <a:t>jre</a:t>
-            </a:r>
-            <a:endParaRPr kumimoji="0" lang="en-US" sz="2000" b="0" i="0" u="none" strike="noStrike" cap="none" normalizeH="0" baseline="0" dirty="0" smtClean="0">
+              <a:rPr kumimoji="0" lang="en-US" sz="4000" b="1" i="0" u="none" strike="noStrike" cap="none" normalizeH="0" baseline="0" dirty="0" smtClean="0">
+                <a:ln>
+                  <a:noFill/>
+                </a:ln>
+                <a:solidFill>
+                  <a:schemeClr val="tx1"/>
+                </a:solidFill>
+                <a:effectLst/>
+                <a:latin typeface="Calibri" pitchFamily="34" charset="0"/>
+                <a:ea typeface="Calibri" pitchFamily="34" charset="0"/>
+                <a:cs typeface="Times New Roman" pitchFamily="18" charset="0"/>
+              </a:rPr>
+              <a:t>Java project Configuration </a:t>
+            </a:r>
+            <a:endParaRPr kumimoji="0" lang="en-US" sz="4000" b="0" i="0" u="none" strike="noStrike" cap="none" normalizeH="0" baseline="0" dirty="0" smtClean="0">
               <a:ln>
                 <a:noFill/>
               </a:ln>
@@ -3336,48 +3268,9 @@
                 <a:schemeClr val="tx1"/>
               </a:solidFill>
               <a:effectLst/>
-              <a:latin typeface="Calibri" pitchFamily="34" charset="0"/>
-              <a:ea typeface="Calibri" pitchFamily="34" charset="0"/>
-              <a:cs typeface="Times New Roman" pitchFamily="18" charset="0"/>
+              <a:latin typeface="Arial" pitchFamily="34" charset="0"/>
+              <a:cs typeface="Arial" pitchFamily="34" charset="0"/>
             </a:endParaRPr>
-          </a:p>
-        </p:txBody>
-      </p:sp>
-      <p:sp>
-        <p:nvSpPr>
-          <p:cNvPr id="5" name="Rectangle 4"/>
-          <p:cNvSpPr/>
-          <p:nvPr/>
-        </p:nvSpPr>
-        <p:spPr>
-          <a:xfrm>
-            <a:off x="2362200" y="4114800"/>
-            <a:ext cx="2121093" cy="369332"/>
-          </a:xfrm>
-          <a:prstGeom prst="rect">
-            <a:avLst/>
-          </a:prstGeom>
-        </p:spPr>
-        <p:txBody>
-          <a:bodyPr wrap="none">
-            <a:spAutoFit/>
-          </a:bodyPr>
-          <a:lstStyle/>
-          <a:p>
-            <a:pPr lvl="2" eaLnBrk="0" fontAlgn="base" hangingPunct="0">
-              <a:spcBef>
-                <a:spcPct val="0"/>
-              </a:spcBef>
-              <a:spcAft>
-                <a:spcPct val="0"/>
-              </a:spcAft>
-              <a:buFontTx/>
-              <a:buAutoNum type="arabicPeriod"/>
-            </a:pPr>
-            <a:r>
-              <a:rPr lang="en-US" dirty="0" smtClean="0"/>
-              <a:t>Click add</a:t>
-            </a:r>
           </a:p>
         </p:txBody>
       </p:sp>
@@ -3415,8 +3308,10 @@
       </p:grpSpPr>
       <p:pic>
         <p:nvPicPr>
-          <p:cNvPr id="2" name="Picture 1"/>
-          <p:cNvPicPr/>
+          <p:cNvPr id="25602" name="Picture 2"/>
+          <p:cNvPicPr>
+            <a:picLocks noChangeAspect="1" noChangeArrowheads="1"/>
+          </p:cNvPicPr>
           <p:nvPr/>
         </p:nvPicPr>
         <p:blipFill>
@@ -3428,8 +3323,8 @@
         </p:blipFill>
         <p:spPr bwMode="auto">
           <a:xfrm>
-            <a:off x="533400" y="990600"/>
-            <a:ext cx="3623510" cy="3781425"/>
+            <a:off x="838200" y="1066800"/>
+            <a:ext cx="6067425" cy="2771775"/>
           </a:xfrm>
           <a:prstGeom prst="rect">
             <a:avLst/>
@@ -3443,9 +3338,96 @@
           </a:ln>
         </p:spPr>
       </p:pic>
+      <p:sp>
+        <p:nvSpPr>
+          <p:cNvPr id="5" name="Rectangle 4"/>
+          <p:cNvSpPr/>
+          <p:nvPr/>
+        </p:nvSpPr>
+        <p:spPr>
+          <a:xfrm>
+            <a:off x="381000" y="304800"/>
+            <a:ext cx="6934200" cy="707886"/>
+          </a:xfrm>
+          <a:prstGeom prst="rect">
+            <a:avLst/>
+          </a:prstGeom>
+        </p:spPr>
+        <p:txBody>
+          <a:bodyPr wrap="square">
+            <a:spAutoFit/>
+          </a:bodyPr>
+          <a:lstStyle/>
+          <a:p>
+            <a:pPr lvl="1" eaLnBrk="0" fontAlgn="base" hangingPunct="0">
+              <a:spcBef>
+                <a:spcPct val="0"/>
+              </a:spcBef>
+              <a:spcAft>
+                <a:spcPct val="0"/>
+              </a:spcAft>
+              <a:buFontTx/>
+              <a:buAutoNum type="arabicPeriod"/>
+            </a:pPr>
+            <a:r>
+              <a:rPr kumimoji="0" lang="en-US" sz="2000" b="0" i="0" u="none" strike="noStrike" cap="none" normalizeH="0" baseline="0" dirty="0" smtClean="0">
+                <a:ln>
+                  <a:noFill/>
+                </a:ln>
+                <a:solidFill>
+                  <a:schemeClr val="tx1"/>
+                </a:solidFill>
+                <a:effectLst/>
+                <a:latin typeface="Calibri" pitchFamily="34" charset="0"/>
+                <a:ea typeface="Calibri" pitchFamily="34" charset="0"/>
+                <a:cs typeface="Times New Roman" pitchFamily="18" charset="0"/>
+              </a:rPr>
+              <a:t>Double click spring green icon from desktop</a:t>
+            </a:r>
+            <a:endParaRPr kumimoji="0" lang="en-US" sz="2000" b="0" i="0" u="none" strike="noStrike" cap="none" normalizeH="0" baseline="0" dirty="0" smtClean="0">
+              <a:ln>
+                <a:noFill/>
+              </a:ln>
+              <a:solidFill>
+                <a:schemeClr val="tx1"/>
+              </a:solidFill>
+              <a:effectLst/>
+              <a:latin typeface="Arial" pitchFamily="34" charset="0"/>
+              <a:cs typeface="Arial" pitchFamily="34" charset="0"/>
+            </a:endParaRPr>
+          </a:p>
+          <a:p>
+            <a:pPr lvl="1" eaLnBrk="0" fontAlgn="base" hangingPunct="0">
+              <a:spcBef>
+                <a:spcPct val="0"/>
+              </a:spcBef>
+              <a:spcAft>
+                <a:spcPct val="0"/>
+              </a:spcAft>
+              <a:buFontTx/>
+              <a:buAutoNum type="arabicPeriod"/>
+            </a:pPr>
+            <a:r>
+              <a:rPr kumimoji="0" lang="en-US" sz="2000" b="0" i="0" u="none" strike="noStrike" cap="none" normalizeH="0" baseline="0" dirty="0" smtClean="0">
+                <a:ln>
+                  <a:noFill/>
+                </a:ln>
+                <a:solidFill>
+                  <a:schemeClr val="tx1"/>
+                </a:solidFill>
+                <a:effectLst/>
+                <a:latin typeface="Calibri" pitchFamily="34" charset="0"/>
+                <a:ea typeface="Calibri" pitchFamily="34" charset="0"/>
+                <a:cs typeface="Times New Roman" pitchFamily="18" charset="0"/>
+              </a:rPr>
+              <a:t>Enter location where you would like to keep java projects</a:t>
+            </a:r>
+          </a:p>
+        </p:txBody>
+      </p:sp>
       <p:pic>
         <p:nvPicPr>
-          <p:cNvPr id="3" name="Picture 2"/>
+          <p:cNvPr id="6" name="Picture 5"/>
           <p:cNvPicPr/>
           <p:nvPr/>
         </p:nvPicPr>
@@ -3458,8 +3440,8 @@
         </p:blipFill>
         <p:spPr bwMode="auto">
           <a:xfrm>
-            <a:off x="4724400" y="3581400"/>
-            <a:ext cx="3962400" cy="2895600"/>
+            <a:off x="685800" y="4800600"/>
+            <a:ext cx="7391400" cy="1676400"/>
           </a:xfrm>
           <a:prstGeom prst="rect">
             <a:avLst/>
@@ -3475,26 +3457,26 @@
       </p:pic>
       <p:sp>
         <p:nvSpPr>
-          <p:cNvPr id="4" name="Rectangle 3"/>
+          <p:cNvPr id="7" name="Rectangle 6"/>
           <p:cNvSpPr/>
           <p:nvPr/>
         </p:nvSpPr>
         <p:spPr>
           <a:xfrm>
-            <a:off x="914400" y="304800"/>
-            <a:ext cx="2177647" cy="369332"/>
+            <a:off x="609600" y="4114800"/>
+            <a:ext cx="7696200" cy="646331"/>
           </a:xfrm>
           <a:prstGeom prst="rect">
             <a:avLst/>
           </a:prstGeom>
         </p:spPr>
         <p:txBody>
-          <a:bodyPr wrap="none">
+          <a:bodyPr wrap="square">
             <a:spAutoFit/>
           </a:bodyPr>
           <a:lstStyle/>
           <a:p>
-            <a:pPr lvl="2" eaLnBrk="0" fontAlgn="base" hangingPunct="0">
+            <a:pPr eaLnBrk="0" fontAlgn="base" hangingPunct="0">
               <a:spcBef>
                 <a:spcPct val="0"/>
               </a:spcBef>
@@ -3506,33 +3488,11 @@
             </a:pPr>
             <a:r>
               <a:rPr lang="en-US" dirty="0" smtClean="0"/>
-              <a:t>Click next</a:t>
-            </a:r>
-          </a:p>
-        </p:txBody>
-      </p:sp>
-      <p:sp>
-        <p:nvSpPr>
-          <p:cNvPr id="5" name="Rectangle 4"/>
-          <p:cNvSpPr/>
-          <p:nvPr/>
-        </p:nvSpPr>
-        <p:spPr>
-          <a:xfrm>
-            <a:off x="4267200" y="304800"/>
-            <a:ext cx="4448334" cy="923330"/>
-          </a:xfrm>
-          <a:prstGeom prst="rect">
-            <a:avLst/>
-          </a:prstGeom>
-        </p:spPr>
-        <p:txBody>
-          <a:bodyPr wrap="none">
-            <a:spAutoFit/>
-          </a:bodyPr>
-          <a:lstStyle/>
-          <a:p>
-            <a:pPr lvl="2" eaLnBrk="0" fontAlgn="base" hangingPunct="0">
+              <a:t>Click file in left top corner</a:t>
+            </a:r>
+          </a:p>
+          <a:p>
+            <a:pPr eaLnBrk="0" fontAlgn="base" hangingPunct="0">
               <a:spcBef>
                 <a:spcPct val="0"/>
               </a:spcBef>
@@ -3544,75 +3504,11 @@
             </a:pPr>
             <a:r>
               <a:rPr lang="en-US" dirty="0" smtClean="0"/>
-              <a:t>Click directory</a:t>
-            </a:r>
-          </a:p>
-          <a:p>
-            <a:pPr lvl="2" eaLnBrk="0" fontAlgn="base" hangingPunct="0">
-              <a:spcBef>
-                <a:spcPct val="0"/>
-              </a:spcBef>
-              <a:spcAft>
-                <a:spcPct val="0"/>
-              </a:spcAft>
-              <a:buFontTx/>
-              <a:buAutoNum type="arabicPeriod"/>
-            </a:pPr>
-            <a:r>
-              <a:rPr lang="en-US" dirty="0" smtClean="0"/>
-              <a:t>Browse to c:/programfile/java/jdk</a:t>
-            </a:r>
-          </a:p>
-          <a:p>
-            <a:pPr lvl="2" eaLnBrk="0" fontAlgn="base" hangingPunct="0">
-              <a:spcBef>
-                <a:spcPct val="0"/>
-              </a:spcBef>
-              <a:spcAft>
-                <a:spcPct val="0"/>
-              </a:spcAft>
-              <a:buFontTx/>
-              <a:buAutoNum type="arabicPeriod"/>
-            </a:pPr>
-            <a:r>
-              <a:rPr lang="en-US" dirty="0" smtClean="0"/>
-              <a:t>Click select folder</a:t>
-            </a:r>
-          </a:p>
-        </p:txBody>
-      </p:sp>
-      <p:pic>
-        <p:nvPicPr>
-          <p:cNvPr id="10241" name="Picture 1"/>
-          <p:cNvPicPr>
-            <a:picLocks noChangeAspect="1" noChangeArrowheads="1"/>
-          </p:cNvPicPr>
-          <p:nvPr/>
-        </p:nvPicPr>
-        <p:blipFill>
-          <a:blip r:embed="rId4" cstate="print"/>
-          <a:srcRect/>
-          <a:stretch>
-            <a:fillRect/>
-          </a:stretch>
-        </p:blipFill>
-        <p:spPr bwMode="auto">
-          <a:xfrm>
-            <a:off x="4648200" y="1447800"/>
-            <a:ext cx="4122997" cy="2057400"/>
-          </a:xfrm>
-          <a:prstGeom prst="rect">
-            <a:avLst/>
-          </a:prstGeom>
-          <a:noFill/>
-          <a:ln w="9525">
-            <a:noFill/>
-            <a:miter lim="800000"/>
-            <a:headEnd/>
-            <a:tailEnd/>
-          </a:ln>
-        </p:spPr>
-      </p:pic>
+              <a:t>Select new &gt; java project</a:t>
+            </a:r>
+          </a:p>
+        </p:txBody>
+      </p:sp>
     </p:spTree>
   </p:cSld>
   <p:clrMapOvr>
@@ -3646,18 +3542,56 @@
         </p:nvPicPr>
         <p:blipFill>
           <a:blip r:embed="rId2" cstate="print"/>
+          <a:srcRect/>
           <a:stretch>
             <a:fillRect/>
           </a:stretch>
         </p:blipFill>
-        <p:spPr>
-          <a:xfrm>
-            <a:off x="990600" y="838200"/>
-            <a:ext cx="6705600" cy="3352800"/>
+        <p:spPr bwMode="auto">
+          <a:xfrm>
+            <a:off x="762000" y="1295400"/>
+            <a:ext cx="7010400" cy="2667000"/>
           </a:xfrm>
           <a:prstGeom prst="rect">
             <a:avLst/>
           </a:prstGeom>
+          <a:noFill/>
+          <a:ln w="9525">
+            <a:noFill/>
+            <a:miter lim="800000"/>
+            <a:headEnd/>
+            <a:tailEnd/>
+          </a:ln>
+        </p:spPr>
+      </p:pic>
+      <p:pic>
+        <p:nvPicPr>
+          <p:cNvPr id="3" name="Picture 2"/>
+          <p:cNvPicPr/>
+          <p:nvPr/>
+        </p:nvPicPr>
+        <p:blipFill>
+          <a:blip r:embed="rId3" cstate="print"/>
+          <a:srcRect/>
+          <a:stretch>
+            <a:fillRect/>
+          </a:stretch>
+        </p:blipFill>
+        <p:spPr bwMode="auto">
+          <a:xfrm>
+            <a:off x="685800" y="4724400"/>
+            <a:ext cx="6858000" cy="1219200"/>
+          </a:xfrm>
+          <a:prstGeom prst="rect">
+            <a:avLst/>
+          </a:prstGeom>
+          <a:noFill/>
+          <a:ln w="9525">
+            <a:noFill/>
+            <a:miter lim="800000"/>
+            <a:headEnd/>
+            <a:tailEnd/>
+          </a:ln>
         </p:spPr>
       </p:pic>
       <p:sp>
@@ -3668,8 +3602,99 @@
         </p:nvSpPr>
         <p:spPr>
           <a:xfrm>
-            <a:off x="2286000" y="304800"/>
-            <a:ext cx="2276585" cy="369332"/>
+            <a:off x="1143000" y="152400"/>
+            <a:ext cx="4572000" cy="923330"/>
+          </a:xfrm>
+          <a:prstGeom prst="rect">
+            <a:avLst/>
+          </a:prstGeom>
+        </p:spPr>
+        <p:txBody>
+          <a:bodyPr>
+            <a:spAutoFit/>
+          </a:bodyPr>
+          <a:lstStyle/>
+          <a:p>
+            <a:pPr lvl="1" eaLnBrk="0" fontAlgn="base" hangingPunct="0">
+              <a:spcBef>
+                <a:spcPct val="0"/>
+              </a:spcBef>
+              <a:spcAft>
+                <a:spcPct val="0"/>
+              </a:spcAft>
+              <a:buFontTx/>
+              <a:buAutoNum type="arabicPeriod"/>
+            </a:pPr>
+            <a:r>
+              <a:rPr lang="en-US" dirty="0" smtClean="0"/>
+              <a:t>Enter project name</a:t>
+            </a:r>
+          </a:p>
+          <a:p>
+            <a:pPr lvl="1" eaLnBrk="0" fontAlgn="base" hangingPunct="0">
+              <a:spcBef>
+                <a:spcPct val="0"/>
+              </a:spcBef>
+              <a:spcAft>
+                <a:spcPct val="0"/>
+              </a:spcAft>
+              <a:buFontTx/>
+              <a:buAutoNum type="arabicPeriod"/>
+            </a:pPr>
+            <a:r>
+              <a:rPr lang="en-US" dirty="0" smtClean="0"/>
+              <a:t>Select default </a:t>
+            </a:r>
+            <a:r>
+              <a:rPr lang="en-US" dirty="0" err="1" smtClean="0"/>
+              <a:t>jre</a:t>
+            </a:r>
+            <a:endParaRPr lang="en-US" dirty="0" smtClean="0"/>
+          </a:p>
+          <a:p>
+            <a:pPr lvl="2" eaLnBrk="0" fontAlgn="base" hangingPunct="0">
+              <a:spcBef>
+                <a:spcPct val="0"/>
+              </a:spcBef>
+              <a:spcAft>
+                <a:spcPct val="0"/>
+              </a:spcAft>
+              <a:buFontTx/>
+              <a:buAutoNum type="arabicPeriod"/>
+            </a:pPr>
+            <a:r>
+              <a:rPr lang="en-US" dirty="0" smtClean="0"/>
+              <a:t>Click configure </a:t>
+            </a:r>
+            <a:r>
+              <a:rPr lang="en-US" dirty="0" err="1" smtClean="0"/>
+              <a:t>jre</a:t>
+            </a:r>
+            <a:endParaRPr kumimoji="0" lang="en-US" sz="2000" b="0" i="0" u="none" strike="noStrike" cap="none" normalizeH="0" baseline="0" dirty="0" smtClean="0">
+              <a:ln>
+                <a:noFill/>
+              </a:ln>
+              <a:solidFill>
+                <a:schemeClr val="tx1"/>
+              </a:solidFill>
+              <a:effectLst/>
+              <a:latin typeface="Calibri" pitchFamily="34" charset="0"/>
+              <a:ea typeface="Calibri" pitchFamily="34" charset="0"/>
+              <a:cs typeface="Times New Roman" pitchFamily="18" charset="0"/>
+            </a:endParaRPr>
+          </a:p>
+        </p:txBody>
+      </p:sp>
+      <p:sp>
+        <p:nvSpPr>
+          <p:cNvPr id="5" name="Rectangle 4"/>
+          <p:cNvSpPr/>
+          <p:nvPr/>
+        </p:nvSpPr>
+        <p:spPr>
+          <a:xfrm>
+            <a:off x="2362200" y="4114800"/>
+            <a:ext cx="2121093" cy="369332"/>
           </a:xfrm>
           <a:prstGeom prst="rect">
             <a:avLst/>
@@ -3693,7 +3718,7 @@
             </a:pPr>
             <a:r>
               <a:rPr lang="en-US" dirty="0" smtClean="0"/>
-              <a:t>Click finish</a:t>
+              <a:t>Click add</a:t>
             </a:r>
           </a:p>
         </p:txBody>
@@ -3703,6 +3728,13 @@
   <p:clrMapOvr>
     <a:masterClrMapping/>
   </p:clrMapOvr>
+  <p:timing>
+    <p:tnLst>
+      <p:par>
+        <p:cTn id="1" dur="indefinite" restart="never" nodeType="tmRoot"/>
+      </p:par>
+    </p:tnLst>
+  </p:timing>
 </p:sld>
 </file>
 
@@ -3725,10 +3757,8 @@
       </p:grpSpPr>
       <p:pic>
         <p:nvPicPr>
-          <p:cNvPr id="26626" name="Picture 2"/>
-          <p:cNvPicPr>
-            <a:picLocks noChangeAspect="1" noChangeArrowheads="1"/>
-          </p:cNvPicPr>
+          <p:cNvPr id="2" name="Picture 1"/>
+          <p:cNvPicPr/>
           <p:nvPr/>
         </p:nvPicPr>
         <p:blipFill>
@@ -3740,8 +3770,8 @@
         </p:blipFill>
         <p:spPr bwMode="auto">
           <a:xfrm>
-            <a:off x="1066800" y="688320"/>
-            <a:ext cx="6357937" cy="6169680"/>
+            <a:off x="533400" y="990600"/>
+            <a:ext cx="3623510" cy="3781425"/>
           </a:xfrm>
           <a:prstGeom prst="rect">
             <a:avLst/>
@@ -3755,36 +3785,176 @@
           </a:ln>
         </p:spPr>
       </p:pic>
-      <p:sp>
-        <p:nvSpPr>
-          <p:cNvPr id="5" name="TextBox 4"/>
-          <p:cNvSpPr txBox="1"/>
+      <p:pic>
+        <p:nvPicPr>
+          <p:cNvPr id="3" name="Picture 2"/>
+          <p:cNvPicPr/>
           <p:nvPr/>
-        </p:nvSpPr>
-        <p:spPr>
-          <a:xfrm>
-            <a:off x="2438400" y="381000"/>
-            <a:ext cx="1178528" cy="369332"/>
+        </p:nvPicPr>
+        <p:blipFill>
+          <a:blip r:embed="rId3" cstate="print"/>
+          <a:srcRect/>
+          <a:stretch>
+            <a:fillRect/>
+          </a:stretch>
+        </p:blipFill>
+        <p:spPr bwMode="auto">
+          <a:xfrm>
+            <a:off x="4724400" y="3581400"/>
+            <a:ext cx="3962400" cy="2895600"/>
           </a:xfrm>
           <a:prstGeom prst="rect">
             <a:avLst/>
           </a:prstGeom>
           <a:noFill/>
-        </p:spPr>
-        <p:txBody>
-          <a:bodyPr wrap="none" rtlCol="0">
+          <a:ln w="9525">
+            <a:noFill/>
+            <a:miter lim="800000"/>
+            <a:headEnd/>
+            <a:tailEnd/>
+          </a:ln>
+        </p:spPr>
+      </p:pic>
+      <p:sp>
+        <p:nvSpPr>
+          <p:cNvPr id="4" name="Rectangle 3"/>
+          <p:cNvSpPr/>
+          <p:nvPr/>
+        </p:nvSpPr>
+        <p:spPr>
+          <a:xfrm>
+            <a:off x="914400" y="304800"/>
+            <a:ext cx="2177647" cy="369332"/>
+          </a:xfrm>
+          <a:prstGeom prst="rect">
+            <a:avLst/>
+          </a:prstGeom>
+        </p:spPr>
+        <p:txBody>
+          <a:bodyPr wrap="none">
             <a:spAutoFit/>
           </a:bodyPr>
           <a:lstStyle/>
           <a:p>
+            <a:pPr lvl="2" eaLnBrk="0" fontAlgn="base" hangingPunct="0">
+              <a:spcBef>
+                <a:spcPct val="0"/>
+              </a:spcBef>
+              <a:spcAft>
+                <a:spcPct val="0"/>
+              </a:spcAft>
+              <a:buFontTx/>
+              <a:buAutoNum type="arabicPeriod"/>
+            </a:pPr>
             <a:r>
               <a:rPr lang="en-US" dirty="0" smtClean="0"/>
-              <a:t>Click finish</a:t>
-            </a:r>
-            <a:endParaRPr lang="en-US" dirty="0"/>
-          </a:p>
-        </p:txBody>
-      </p:sp>
+              <a:t>Click next</a:t>
+            </a:r>
+          </a:p>
+        </p:txBody>
+      </p:sp>
+      <p:sp>
+        <p:nvSpPr>
+          <p:cNvPr id="5" name="Rectangle 4"/>
+          <p:cNvSpPr/>
+          <p:nvPr/>
+        </p:nvSpPr>
+        <p:spPr>
+          <a:xfrm>
+            <a:off x="4267200" y="304800"/>
+            <a:ext cx="4448334" cy="923330"/>
+          </a:xfrm>
+          <a:prstGeom prst="rect">
+            <a:avLst/>
+          </a:prstGeom>
+        </p:spPr>
+        <p:txBody>
+          <a:bodyPr wrap="none">
+            <a:spAutoFit/>
+          </a:bodyPr>
+          <a:lstStyle/>
+          <a:p>
+            <a:pPr lvl="2" eaLnBrk="0" fontAlgn="base" hangingPunct="0">
+              <a:spcBef>
+                <a:spcPct val="0"/>
+              </a:spcBef>
+              <a:spcAft>
+                <a:spcPct val="0"/>
+              </a:spcAft>
+              <a:buFontTx/>
+              <a:buAutoNum type="arabicPeriod"/>
+            </a:pPr>
+            <a:r>
+              <a:rPr lang="en-US" dirty="0" smtClean="0"/>
+              <a:t>Click directory</a:t>
+            </a:r>
+          </a:p>
+          <a:p>
+            <a:pPr lvl="2" eaLnBrk="0" fontAlgn="base" hangingPunct="0">
+              <a:spcBef>
+                <a:spcPct val="0"/>
+              </a:spcBef>
+              <a:spcAft>
+                <a:spcPct val="0"/>
+              </a:spcAft>
+              <a:buFontTx/>
+              <a:buAutoNum type="arabicPeriod"/>
+            </a:pPr>
+            <a:r>
+              <a:rPr lang="en-US" dirty="0" smtClean="0"/>
+              <a:t>Browse to c:/programfile/java/jdk</a:t>
+            </a:r>
+          </a:p>
+          <a:p>
+            <a:pPr lvl="2" eaLnBrk="0" fontAlgn="base" hangingPunct="0">
+              <a:spcBef>
+                <a:spcPct val="0"/>
+              </a:spcBef>
+              <a:spcAft>
+                <a:spcPct val="0"/>
+              </a:spcAft>
+              <a:buFontTx/>
+              <a:buAutoNum type="arabicPeriod"/>
+            </a:pPr>
+            <a:r>
+              <a:rPr lang="en-US" dirty="0" smtClean="0"/>
+              <a:t>Click select folder</a:t>
+            </a:r>
+          </a:p>
+        </p:txBody>
+      </p:sp>
+      <p:pic>
+        <p:nvPicPr>
+          <p:cNvPr id="10241" name="Picture 1"/>
+          <p:cNvPicPr>
+            <a:picLocks noChangeAspect="1" noChangeArrowheads="1"/>
+          </p:cNvPicPr>
+          <p:nvPr/>
+        </p:nvPicPr>
+        <p:blipFill>
+          <a:blip r:embed="rId4" cstate="print"/>
+          <a:srcRect/>
+          <a:stretch>
+            <a:fillRect/>
+          </a:stretch>
+        </p:blipFill>
+        <p:spPr bwMode="auto">
+          <a:xfrm>
+            <a:off x="4648200" y="1447800"/>
+            <a:ext cx="4122997" cy="2057400"/>
+          </a:xfrm>
+          <a:prstGeom prst="rect">
+            <a:avLst/>
+          </a:prstGeom>
+          <a:noFill/>
+          <a:ln w="9525">
+            <a:noFill/>
+            <a:miter lim="800000"/>
+            <a:headEnd/>
+            <a:tailEnd/>
+          </a:ln>
+        </p:spPr>
+      </p:pic>
     </p:spTree>
   </p:cSld>
   <p:clrMapOvr>
@@ -3818,6 +3988,178 @@
         </p:nvPicPr>
         <p:blipFill>
           <a:blip r:embed="rId2" cstate="print"/>
+          <a:stretch>
+            <a:fillRect/>
+          </a:stretch>
+        </p:blipFill>
+        <p:spPr>
+          <a:xfrm>
+            <a:off x="990600" y="838200"/>
+            <a:ext cx="6705600" cy="3352800"/>
+          </a:xfrm>
+          <a:prstGeom prst="rect">
+            <a:avLst/>
+          </a:prstGeom>
+        </p:spPr>
+      </p:pic>
+      <p:sp>
+        <p:nvSpPr>
+          <p:cNvPr id="4" name="Rectangle 3"/>
+          <p:cNvSpPr/>
+          <p:nvPr/>
+        </p:nvSpPr>
+        <p:spPr>
+          <a:xfrm>
+            <a:off x="2286000" y="304800"/>
+            <a:ext cx="2276585" cy="369332"/>
+          </a:xfrm>
+          <a:prstGeom prst="rect">
+            <a:avLst/>
+          </a:prstGeom>
+        </p:spPr>
+        <p:txBody>
+          <a:bodyPr wrap="none">
+            <a:spAutoFit/>
+          </a:bodyPr>
+          <a:lstStyle/>
+          <a:p>
+            <a:pPr lvl="2" eaLnBrk="0" fontAlgn="base" hangingPunct="0">
+              <a:spcBef>
+                <a:spcPct val="0"/>
+              </a:spcBef>
+              <a:spcAft>
+                <a:spcPct val="0"/>
+              </a:spcAft>
+              <a:buFontTx/>
+              <a:buAutoNum type="arabicPeriod"/>
+            </a:pPr>
+            <a:r>
+              <a:rPr lang="en-US" dirty="0" smtClean="0"/>
+              <a:t>Click finish</a:t>
+            </a:r>
+          </a:p>
+        </p:txBody>
+      </p:sp>
+    </p:spTree>
+  </p:cSld>
+  <p:clrMapOvr>
+    <a:masterClrMapping/>
+  </p:clrMapOvr>
+</p:sld>
+</file>
+
+<file path=ppt/slides/slide15.xml><?xml version="1.0" encoding="utf-8"?>
+<p:sld xmlns:a="http://schemas.openxmlformats.org/drawingml/2006/main" xmlns:r="http://schemas.openxmlformats.org/officeDocument/2006/relationships" xmlns:p="http://schemas.openxmlformats.org/presentationml/2006/main">
+  <p:cSld>
+    <p:spTree>
+      <p:nvGrpSpPr>
+        <p:cNvPr id="1" name=""/>
+        <p:cNvGrpSpPr/>
+        <p:nvPr/>
+      </p:nvGrpSpPr>
+      <p:grpSpPr>
+        <a:xfrm>
+          <a:off x="0" y="0"/>
+          <a:ext cx="0" cy="0"/>
+          <a:chOff x="0" y="0"/>
+          <a:chExt cx="0" cy="0"/>
+        </a:xfrm>
+      </p:grpSpPr>
+      <p:pic>
+        <p:nvPicPr>
+          <p:cNvPr id="26626" name="Picture 2"/>
+          <p:cNvPicPr>
+            <a:picLocks noChangeAspect="1" noChangeArrowheads="1"/>
+          </p:cNvPicPr>
+          <p:nvPr/>
+        </p:nvPicPr>
+        <p:blipFill>
+          <a:blip r:embed="rId2" cstate="print"/>
+          <a:srcRect/>
+          <a:stretch>
+            <a:fillRect/>
+          </a:stretch>
+        </p:blipFill>
+        <p:spPr bwMode="auto">
+          <a:xfrm>
+            <a:off x="1066800" y="688320"/>
+            <a:ext cx="6357937" cy="6169680"/>
+          </a:xfrm>
+          <a:prstGeom prst="rect">
+            <a:avLst/>
+          </a:prstGeom>
+          <a:noFill/>
+          <a:ln w="9525">
+            <a:noFill/>
+            <a:miter lim="800000"/>
+            <a:headEnd/>
+            <a:tailEnd/>
+          </a:ln>
+        </p:spPr>
+      </p:pic>
+      <p:sp>
+        <p:nvSpPr>
+          <p:cNvPr id="5" name="TextBox 4"/>
+          <p:cNvSpPr txBox="1"/>
+          <p:nvPr/>
+        </p:nvSpPr>
+        <p:spPr>
+          <a:xfrm>
+            <a:off x="2438400" y="381000"/>
+            <a:ext cx="1178528" cy="369332"/>
+          </a:xfrm>
+          <a:prstGeom prst="rect">
+            <a:avLst/>
+          </a:prstGeom>
+          <a:noFill/>
+        </p:spPr>
+        <p:txBody>
+          <a:bodyPr wrap="none" rtlCol="0">
+            <a:spAutoFit/>
+          </a:bodyPr>
+          <a:lstStyle/>
+          <a:p>
+            <a:r>
+              <a:rPr lang="en-US" dirty="0" smtClean="0"/>
+              <a:t>Click finish</a:t>
+            </a:r>
+            <a:endParaRPr lang="en-US" dirty="0"/>
+          </a:p>
+        </p:txBody>
+      </p:sp>
+    </p:spTree>
+  </p:cSld>
+  <p:clrMapOvr>
+    <a:masterClrMapping/>
+  </p:clrMapOvr>
+</p:sld>
+</file>
+
+<file path=ppt/slides/slide16.xml><?xml version="1.0" encoding="utf-8"?>
+<p:sld xmlns:a="http://schemas.openxmlformats.org/drawingml/2006/main" xmlns:r="http://schemas.openxmlformats.org/officeDocument/2006/relationships" xmlns:p="http://schemas.openxmlformats.org/presentationml/2006/main">
+  <p:cSld>
+    <p:spTree>
+      <p:nvGrpSpPr>
+        <p:cNvPr id="1" name=""/>
+        <p:cNvGrpSpPr/>
+        <p:nvPr/>
+      </p:nvGrpSpPr>
+      <p:grpSpPr>
+        <a:xfrm>
+          <a:off x="0" y="0"/>
+          <a:ext cx="0" cy="0"/>
+          <a:chOff x="0" y="0"/>
+          <a:chExt cx="0" cy="0"/>
+        </a:xfrm>
+      </p:grpSpPr>
+      <p:pic>
+        <p:nvPicPr>
+          <p:cNvPr id="2" name="Picture 1"/>
+          <p:cNvPicPr/>
+          <p:nvPr/>
+        </p:nvPicPr>
+        <p:blipFill>
+          <a:blip r:embed="rId2" cstate="print"/>
           <a:srcRect/>
           <a:stretch>
             <a:fillRect/>
@@ -3970,7 +4312,7 @@
 </p:sld>
 </file>
 
-<file path=ppt/slides/slide15.xml><?xml version="1.0" encoding="utf-8"?>
+<file path=ppt/slides/slide17.xml><?xml version="1.0" encoding="utf-8"?>
 <p:sld xmlns:a="http://schemas.openxmlformats.org/drawingml/2006/main" xmlns:r="http://schemas.openxmlformats.org/officeDocument/2006/relationships" xmlns:p="http://schemas.openxmlformats.org/presentationml/2006/main">
   <p:cSld>
     <p:spTree>
@@ -4057,7 +4399,7 @@
 </p:sld>
 </file>
 
-<file path=ppt/slides/slide16.xml><?xml version="1.0" encoding="utf-8"?>
+<file path=ppt/slides/slide18.xml><?xml version="1.0" encoding="utf-8"?>
 <p:sld xmlns:a="http://schemas.openxmlformats.org/drawingml/2006/main" xmlns:r="http://schemas.openxmlformats.org/officeDocument/2006/relationships" xmlns:p="http://schemas.openxmlformats.org/presentationml/2006/main">
   <p:cSld>
     <p:spTree>
@@ -4152,7 +4494,22 @@
                 <a:ea typeface="Calibri" pitchFamily="34" charset="0"/>
                 <a:cs typeface="Times New Roman" pitchFamily="18" charset="0"/>
               </a:rPr>
-              <a:t> training material</a:t>
+              <a:t> Project training </a:t>
+            </a:r>
+            <a:r>
+              <a:rPr kumimoji="0" lang="en-US" sz="4000" b="1" i="0" u="none" strike="noStrike" cap="none" normalizeH="0" baseline="0" dirty="0" smtClean="0">
+                <a:ln>
+                  <a:noFill/>
+                </a:ln>
+                <a:solidFill>
+                  <a:schemeClr val="tx1"/>
+                </a:solidFill>
+                <a:effectLst/>
+                <a:latin typeface="Calibri" pitchFamily="34" charset="0"/>
+                <a:ea typeface="Calibri" pitchFamily="34" charset="0"/>
+                <a:cs typeface="Times New Roman" pitchFamily="18" charset="0"/>
+              </a:rPr>
+              <a:t>material</a:t>
             </a:r>
             <a:r>
               <a:rPr kumimoji="0" lang="en-US" sz="4000" b="1" i="0" u="none" strike="noStrike" cap="none" normalizeH="0" dirty="0" smtClean="0">
@@ -4213,7 +4570,7 @@
 </p:sld>
 </file>
 
-<file path=ppt/slides/slide17.xml><?xml version="1.0" encoding="utf-8"?>
+<file path=ppt/slides/slide19.xml><?xml version="1.0" encoding="utf-8"?>
 <p:sld xmlns:a="http://schemas.openxmlformats.org/drawingml/2006/main" xmlns:r="http://schemas.openxmlformats.org/officeDocument/2006/relationships" xmlns:p="http://schemas.openxmlformats.org/presentationml/2006/main">
   <p:cSld>
     <p:spTree>
@@ -4332,11 +4689,7 @@
             </a:r>
             <a:r>
               <a:rPr lang="en-US" dirty="0" smtClean="0"/>
-              <a:t> </a:t>
-            </a:r>
-            <a:r>
-              <a:rPr lang="en-US" dirty="0" smtClean="0"/>
-              <a:t>repositories</a:t>
+              <a:t> repositories</a:t>
             </a:r>
             <a:endParaRPr lang="en-US" dirty="0"/>
           </a:p>
@@ -4445,213 +4798,6 @@
           <a:xfrm>
             <a:off x="609600" y="2743200"/>
             <a:ext cx="4438650" cy="1533525"/>
-          </a:xfrm>
-          <a:prstGeom prst="rect">
-            <a:avLst/>
-          </a:prstGeom>
-          <a:noFill/>
-          <a:ln w="9525">
-            <a:noFill/>
-            <a:miter lim="800000"/>
-            <a:headEnd/>
-            <a:tailEnd/>
-          </a:ln>
-        </p:spPr>
-      </p:pic>
-    </p:spTree>
-  </p:cSld>
-  <p:clrMapOvr>
-    <a:masterClrMapping/>
-  </p:clrMapOvr>
-</p:sld>
-</file>
-
-<file path=ppt/slides/slide18.xml><?xml version="1.0" encoding="utf-8"?>
-<p:sld xmlns:a="http://schemas.openxmlformats.org/drawingml/2006/main" xmlns:r="http://schemas.openxmlformats.org/officeDocument/2006/relationships" xmlns:p="http://schemas.openxmlformats.org/presentationml/2006/main">
-  <p:cSld>
-    <p:spTree>
-      <p:nvGrpSpPr>
-        <p:cNvPr id="1" name=""/>
-        <p:cNvGrpSpPr/>
-        <p:nvPr/>
-      </p:nvGrpSpPr>
-      <p:grpSpPr>
-        <a:xfrm>
-          <a:off x="0" y="0"/>
-          <a:ext cx="0" cy="0"/>
-          <a:chOff x="0" y="0"/>
-          <a:chExt cx="0" cy="0"/>
-        </a:xfrm>
-      </p:grpSpPr>
-      <p:pic>
-        <p:nvPicPr>
-          <p:cNvPr id="6145" name="Picture 1"/>
-          <p:cNvPicPr>
-            <a:picLocks noChangeAspect="1" noChangeArrowheads="1"/>
-          </p:cNvPicPr>
-          <p:nvPr/>
-        </p:nvPicPr>
-        <p:blipFill>
-          <a:blip r:embed="rId2" cstate="print"/>
-          <a:srcRect/>
-          <a:stretch>
-            <a:fillRect/>
-          </a:stretch>
-        </p:blipFill>
-        <p:spPr bwMode="auto">
-          <a:xfrm>
-            <a:off x="1371600" y="1600200"/>
-            <a:ext cx="6010275" cy="5019675"/>
-          </a:xfrm>
-          <a:prstGeom prst="rect">
-            <a:avLst/>
-          </a:prstGeom>
-          <a:noFill/>
-          <a:ln w="9525">
-            <a:noFill/>
-            <a:miter lim="800000"/>
-            <a:headEnd/>
-            <a:tailEnd/>
-          </a:ln>
-        </p:spPr>
-      </p:pic>
-      <p:sp>
-        <p:nvSpPr>
-          <p:cNvPr id="3" name="TextBox 2"/>
-          <p:cNvSpPr txBox="1"/>
-          <p:nvPr/>
-        </p:nvSpPr>
-        <p:spPr>
-          <a:xfrm>
-            <a:off x="457200" y="381000"/>
-            <a:ext cx="6118150" cy="646331"/>
-          </a:xfrm>
-          <a:prstGeom prst="rect">
-            <a:avLst/>
-          </a:prstGeom>
-          <a:noFill/>
-        </p:spPr>
-        <p:txBody>
-          <a:bodyPr wrap="none" rtlCol="0">
-            <a:spAutoFit/>
-          </a:bodyPr>
-          <a:lstStyle/>
-          <a:p>
-            <a:r>
-              <a:rPr lang="en-US" dirty="0" smtClean="0"/>
-              <a:t>In URI enter </a:t>
-            </a:r>
-            <a:r>
-              <a:rPr lang="en-US" dirty="0" smtClean="0">
-                <a:hlinkClick r:id="rId3"/>
-              </a:rPr>
-              <a:t>https://github.com/thinkcodegravity/dec24java.git</a:t>
-            </a:r>
-            <a:endParaRPr lang="en-US" dirty="0" smtClean="0"/>
-          </a:p>
-          <a:p>
-            <a:r>
-              <a:rPr lang="en-US" dirty="0" smtClean="0"/>
-              <a:t>Click next</a:t>
-            </a:r>
-            <a:endParaRPr lang="en-US" dirty="0"/>
-          </a:p>
-        </p:txBody>
-      </p:sp>
-    </p:spTree>
-  </p:cSld>
-  <p:clrMapOvr>
-    <a:masterClrMapping/>
-  </p:clrMapOvr>
-</p:sld>
-</file>
-
-<file path=ppt/slides/slide19.xml><?xml version="1.0" encoding="utf-8"?>
-<p:sld xmlns:a="http://schemas.openxmlformats.org/drawingml/2006/main" xmlns:r="http://schemas.openxmlformats.org/officeDocument/2006/relationships" xmlns:p="http://schemas.openxmlformats.org/presentationml/2006/main">
-  <p:cSld>
-    <p:spTree>
-      <p:nvGrpSpPr>
-        <p:cNvPr id="1" name=""/>
-        <p:cNvGrpSpPr/>
-        <p:nvPr/>
-      </p:nvGrpSpPr>
-      <p:grpSpPr>
-        <a:xfrm>
-          <a:off x="0" y="0"/>
-          <a:ext cx="0" cy="0"/>
-          <a:chOff x="0" y="0"/>
-          <a:chExt cx="0" cy="0"/>
-        </a:xfrm>
-      </p:grpSpPr>
-      <p:sp>
-        <p:nvSpPr>
-          <p:cNvPr id="5" name="TextBox 4"/>
-          <p:cNvSpPr txBox="1"/>
-          <p:nvPr/>
-        </p:nvSpPr>
-        <p:spPr>
-          <a:xfrm>
-            <a:off x="255476" y="457200"/>
-            <a:ext cx="8991500" cy="923330"/>
-          </a:xfrm>
-          <a:prstGeom prst="rect">
-            <a:avLst/>
-          </a:prstGeom>
-          <a:noFill/>
-        </p:spPr>
-        <p:txBody>
-          <a:bodyPr wrap="none" rtlCol="0">
-            <a:spAutoFit/>
-          </a:bodyPr>
-          <a:lstStyle/>
-          <a:p>
-            <a:r>
-              <a:rPr lang="en-US" dirty="0" smtClean="0"/>
-              <a:t>Click next… next…</a:t>
-            </a:r>
-          </a:p>
-          <a:p>
-            <a:r>
-              <a:rPr lang="en-US" b="1" dirty="0" smtClean="0">
-                <a:solidFill>
-                  <a:srgbClr val="FF0000"/>
-                </a:solidFill>
-              </a:rPr>
-              <a:t>REMEMBER THIS LOCATION SHOWN BELOW IN RED</a:t>
-            </a:r>
-            <a:r>
-              <a:rPr lang="en-US" dirty="0" smtClean="0"/>
-              <a:t>.. WE WILL NEED THIS IN SLIDE #22 LATER</a:t>
-            </a:r>
-          </a:p>
-          <a:p>
-            <a:r>
-              <a:rPr lang="en-US" dirty="0" smtClean="0"/>
-              <a:t>Click finish</a:t>
-            </a:r>
-            <a:endParaRPr lang="en-US" dirty="0"/>
-          </a:p>
-        </p:txBody>
-      </p:sp>
-      <p:pic>
-        <p:nvPicPr>
-          <p:cNvPr id="29699" name="Picture 3"/>
-          <p:cNvPicPr>
-            <a:picLocks noChangeAspect="1" noChangeArrowheads="1"/>
-          </p:cNvPicPr>
-          <p:nvPr/>
-        </p:nvPicPr>
-        <p:blipFill>
-          <a:blip r:embed="rId2" cstate="print"/>
-          <a:srcRect/>
-          <a:stretch>
-            <a:fillRect/>
-          </a:stretch>
-        </p:blipFill>
-        <p:spPr bwMode="auto">
-          <a:xfrm>
-            <a:off x="2057400" y="1447800"/>
-            <a:ext cx="5038725" cy="5191125"/>
           </a:xfrm>
           <a:prstGeom prst="rect">
             <a:avLst/>
@@ -5038,6 +5184,213 @@
           <a:chExt cx="0" cy="0"/>
         </a:xfrm>
       </p:grpSpPr>
+      <p:pic>
+        <p:nvPicPr>
+          <p:cNvPr id="6145" name="Picture 1"/>
+          <p:cNvPicPr>
+            <a:picLocks noChangeAspect="1" noChangeArrowheads="1"/>
+          </p:cNvPicPr>
+          <p:nvPr/>
+        </p:nvPicPr>
+        <p:blipFill>
+          <a:blip r:embed="rId2" cstate="print"/>
+          <a:srcRect/>
+          <a:stretch>
+            <a:fillRect/>
+          </a:stretch>
+        </p:blipFill>
+        <p:spPr bwMode="auto">
+          <a:xfrm>
+            <a:off x="1371600" y="1600200"/>
+            <a:ext cx="6010275" cy="5019675"/>
+          </a:xfrm>
+          <a:prstGeom prst="rect">
+            <a:avLst/>
+          </a:prstGeom>
+          <a:noFill/>
+          <a:ln w="9525">
+            <a:noFill/>
+            <a:miter lim="800000"/>
+            <a:headEnd/>
+            <a:tailEnd/>
+          </a:ln>
+        </p:spPr>
+      </p:pic>
+      <p:sp>
+        <p:nvSpPr>
+          <p:cNvPr id="3" name="TextBox 2"/>
+          <p:cNvSpPr txBox="1"/>
+          <p:nvPr/>
+        </p:nvSpPr>
+        <p:spPr>
+          <a:xfrm>
+            <a:off x="457200" y="381000"/>
+            <a:ext cx="6118150" cy="646331"/>
+          </a:xfrm>
+          <a:prstGeom prst="rect">
+            <a:avLst/>
+          </a:prstGeom>
+          <a:noFill/>
+        </p:spPr>
+        <p:txBody>
+          <a:bodyPr wrap="none" rtlCol="0">
+            <a:spAutoFit/>
+          </a:bodyPr>
+          <a:lstStyle/>
+          <a:p>
+            <a:r>
+              <a:rPr lang="en-US" dirty="0" smtClean="0"/>
+              <a:t>In URI enter </a:t>
+            </a:r>
+            <a:r>
+              <a:rPr lang="en-US" dirty="0" smtClean="0">
+                <a:hlinkClick r:id="rId3"/>
+              </a:rPr>
+              <a:t>https://github.com/thinkcodegravity/dec24java.git</a:t>
+            </a:r>
+            <a:endParaRPr lang="en-US" dirty="0" smtClean="0"/>
+          </a:p>
+          <a:p>
+            <a:r>
+              <a:rPr lang="en-US" dirty="0" smtClean="0"/>
+              <a:t>Click next</a:t>
+            </a:r>
+            <a:endParaRPr lang="en-US" dirty="0"/>
+          </a:p>
+        </p:txBody>
+      </p:sp>
+    </p:spTree>
+  </p:cSld>
+  <p:clrMapOvr>
+    <a:masterClrMapping/>
+  </p:clrMapOvr>
+</p:sld>
+</file>
+
+<file path=ppt/slides/slide21.xml><?xml version="1.0" encoding="utf-8"?>
+<p:sld xmlns:a="http://schemas.openxmlformats.org/drawingml/2006/main" xmlns:r="http://schemas.openxmlformats.org/officeDocument/2006/relationships" xmlns:p="http://schemas.openxmlformats.org/presentationml/2006/main">
+  <p:cSld>
+    <p:spTree>
+      <p:nvGrpSpPr>
+        <p:cNvPr id="1" name=""/>
+        <p:cNvGrpSpPr/>
+        <p:nvPr/>
+      </p:nvGrpSpPr>
+      <p:grpSpPr>
+        <a:xfrm>
+          <a:off x="0" y="0"/>
+          <a:ext cx="0" cy="0"/>
+          <a:chOff x="0" y="0"/>
+          <a:chExt cx="0" cy="0"/>
+        </a:xfrm>
+      </p:grpSpPr>
+      <p:sp>
+        <p:nvSpPr>
+          <p:cNvPr id="5" name="TextBox 4"/>
+          <p:cNvSpPr txBox="1"/>
+          <p:nvPr/>
+        </p:nvSpPr>
+        <p:spPr>
+          <a:xfrm>
+            <a:off x="255476" y="457200"/>
+            <a:ext cx="8991500" cy="923330"/>
+          </a:xfrm>
+          <a:prstGeom prst="rect">
+            <a:avLst/>
+          </a:prstGeom>
+          <a:noFill/>
+        </p:spPr>
+        <p:txBody>
+          <a:bodyPr wrap="none" rtlCol="0">
+            <a:spAutoFit/>
+          </a:bodyPr>
+          <a:lstStyle/>
+          <a:p>
+            <a:r>
+              <a:rPr lang="en-US" dirty="0" smtClean="0"/>
+              <a:t>Click next… next…</a:t>
+            </a:r>
+          </a:p>
+          <a:p>
+            <a:r>
+              <a:rPr lang="en-US" b="1" dirty="0" smtClean="0">
+                <a:solidFill>
+                  <a:srgbClr val="FF0000"/>
+                </a:solidFill>
+              </a:rPr>
+              <a:t>REMEMBER THIS LOCATION SHOWN BELOW IN RED</a:t>
+            </a:r>
+            <a:r>
+              <a:rPr lang="en-US" dirty="0" smtClean="0"/>
+              <a:t>.. WE WILL NEED THIS IN SLIDE #22 LATER</a:t>
+            </a:r>
+          </a:p>
+          <a:p>
+            <a:r>
+              <a:rPr lang="en-US" dirty="0" smtClean="0"/>
+              <a:t>Click finish</a:t>
+            </a:r>
+            <a:endParaRPr lang="en-US" dirty="0"/>
+          </a:p>
+        </p:txBody>
+      </p:sp>
+      <p:pic>
+        <p:nvPicPr>
+          <p:cNvPr id="29699" name="Picture 3"/>
+          <p:cNvPicPr>
+            <a:picLocks noChangeAspect="1" noChangeArrowheads="1"/>
+          </p:cNvPicPr>
+          <p:nvPr/>
+        </p:nvPicPr>
+        <p:blipFill>
+          <a:blip r:embed="rId2" cstate="print"/>
+          <a:srcRect/>
+          <a:stretch>
+            <a:fillRect/>
+          </a:stretch>
+        </p:blipFill>
+        <p:spPr bwMode="auto">
+          <a:xfrm>
+            <a:off x="2057400" y="1447800"/>
+            <a:ext cx="5038725" cy="5191125"/>
+          </a:xfrm>
+          <a:prstGeom prst="rect">
+            <a:avLst/>
+          </a:prstGeom>
+          <a:noFill/>
+          <a:ln w="9525">
+            <a:noFill/>
+            <a:miter lim="800000"/>
+            <a:headEnd/>
+            <a:tailEnd/>
+          </a:ln>
+        </p:spPr>
+      </p:pic>
+    </p:spTree>
+  </p:cSld>
+  <p:clrMapOvr>
+    <a:masterClrMapping/>
+  </p:clrMapOvr>
+</p:sld>
+</file>
+
+<file path=ppt/slides/slide22.xml><?xml version="1.0" encoding="utf-8"?>
+<p:sld xmlns:a="http://schemas.openxmlformats.org/drawingml/2006/main" xmlns:r="http://schemas.openxmlformats.org/officeDocument/2006/relationships" xmlns:p="http://schemas.openxmlformats.org/presentationml/2006/main">
+  <p:cSld>
+    <p:spTree>
+      <p:nvGrpSpPr>
+        <p:cNvPr id="1" name=""/>
+        <p:cNvGrpSpPr/>
+        <p:nvPr/>
+      </p:nvGrpSpPr>
+      <p:grpSpPr>
+        <a:xfrm>
+          <a:off x="0" y="0"/>
+          <a:ext cx="0" cy="0"/>
+          <a:chOff x="0" y="0"/>
+          <a:chExt cx="0" cy="0"/>
+        </a:xfrm>
+      </p:grpSpPr>
       <p:sp>
         <p:nvSpPr>
           <p:cNvPr id="12289" name="Rectangle 1"/>
@@ -5132,7 +5485,7 @@
 </p:sld>
 </file>
 
-<file path=ppt/slides/slide21.xml><?xml version="1.0" encoding="utf-8"?>
+<file path=ppt/slides/slide23.xml><?xml version="1.0" encoding="utf-8"?>
 <p:sld xmlns:a="http://schemas.openxmlformats.org/drawingml/2006/main" xmlns:r="http://schemas.openxmlformats.org/officeDocument/2006/relationships" xmlns:p="http://schemas.openxmlformats.org/presentationml/2006/main">
   <p:cSld>
     <p:spTree>
@@ -5299,7 +5652,7 @@
 </p:sld>
 </file>
 
-<file path=ppt/slides/slide22.xml><?xml version="1.0" encoding="utf-8"?>
+<file path=ppt/slides/slide24.xml><?xml version="1.0" encoding="utf-8"?>
 <p:sld xmlns:a="http://schemas.openxmlformats.org/drawingml/2006/main" xmlns:r="http://schemas.openxmlformats.org/officeDocument/2006/relationships" xmlns:p="http://schemas.openxmlformats.org/presentationml/2006/main">
   <p:cSld>
     <p:spTree>
@@ -5416,7 +5769,7 @@
 </p:sld>
 </file>
 
-<file path=ppt/slides/slide23.xml><?xml version="1.0" encoding="utf-8"?>
+<file path=ppt/slides/slide25.xml><?xml version="1.0" encoding="utf-8"?>
 <p:sld xmlns:a="http://schemas.openxmlformats.org/drawingml/2006/main" xmlns:r="http://schemas.openxmlformats.org/officeDocument/2006/relationships" xmlns:p="http://schemas.openxmlformats.org/presentationml/2006/main">
   <p:cSld>
     <p:spTree>
@@ -5503,6 +5856,162 @@
 </p:sld>
 </file>
 
+<file path=ppt/slides/slide26.xml><?xml version="1.0" encoding="utf-8"?>
+<p:sld xmlns:a="http://schemas.openxmlformats.org/drawingml/2006/main" xmlns:r="http://schemas.openxmlformats.org/officeDocument/2006/relationships" xmlns:p="http://schemas.openxmlformats.org/presentationml/2006/main">
+  <p:cSld>
+    <p:spTree>
+      <p:nvGrpSpPr>
+        <p:cNvPr id="1" name=""/>
+        <p:cNvGrpSpPr/>
+        <p:nvPr/>
+      </p:nvGrpSpPr>
+      <p:grpSpPr>
+        <a:xfrm>
+          <a:off x="0" y="0"/>
+          <a:ext cx="0" cy="0"/>
+          <a:chOff x="0" y="0"/>
+          <a:chExt cx="0" cy="0"/>
+        </a:xfrm>
+      </p:grpSpPr>
+      <p:sp>
+        <p:nvSpPr>
+          <p:cNvPr id="12289" name="Rectangle 1"/>
+          <p:cNvSpPr>
+            <a:spLocks noChangeArrowheads="1"/>
+          </p:cNvSpPr>
+          <p:nvPr/>
+        </p:nvSpPr>
+        <p:spPr bwMode="auto">
+          <a:xfrm>
+            <a:off x="304800" y="2694921"/>
+            <a:ext cx="6934200" cy="1323439"/>
+          </a:xfrm>
+          <a:prstGeom prst="rect">
+            <a:avLst/>
+          </a:prstGeom>
+          <a:noFill/>
+          <a:ln w="9525">
+            <a:noFill/>
+            <a:miter lim="800000"/>
+            <a:headEnd/>
+            <a:tailEnd/>
+          </a:ln>
+          <a:effectLst/>
+        </p:spPr>
+        <p:txBody>
+          <a:bodyPr vert="horz" wrap="square" lIns="91440" tIns="45720" rIns="91440" bIns="45720" numCol="1" anchor="ctr" anchorCtr="0" compatLnSpc="1">
+            <a:prstTxWarp prst="textNoShape">
+              <a:avLst/>
+            </a:prstTxWarp>
+            <a:spAutoFit/>
+          </a:bodyPr>
+          <a:lstStyle/>
+          <a:p>
+            <a:pPr marL="0" marR="0" lvl="0" indent="0" algn="l" defTabSz="914400" rtl="0" eaLnBrk="1" fontAlgn="base" latinLnBrk="0" hangingPunct="1">
+              <a:lnSpc>
+                <a:spcPct val="100000"/>
+              </a:lnSpc>
+              <a:spcBef>
+                <a:spcPct val="0"/>
+              </a:spcBef>
+              <a:spcAft>
+                <a:spcPct val="0"/>
+              </a:spcAft>
+              <a:buClrTx/>
+              <a:buSzTx/>
+              <a:buFontTx/>
+              <a:buNone/>
+              <a:tabLst/>
+            </a:pPr>
+            <a:r>
+              <a:rPr kumimoji="0" lang="en-US" sz="4000" b="1" i="0" u="none" strike="noStrike" cap="none" normalizeH="0" baseline="0" dirty="0" err="1" smtClean="0">
+                <a:ln>
+                  <a:noFill/>
+                </a:ln>
+                <a:solidFill>
+                  <a:schemeClr val="tx1"/>
+                </a:solidFill>
+                <a:effectLst/>
+                <a:latin typeface="Calibri" pitchFamily="34" charset="0"/>
+                <a:ea typeface="Calibri" pitchFamily="34" charset="0"/>
+                <a:cs typeface="Times New Roman" pitchFamily="18" charset="0"/>
+              </a:rPr>
+              <a:t>Git</a:t>
+            </a:r>
+            <a:r>
+              <a:rPr kumimoji="0" lang="en-US" sz="4000" b="1" i="0" u="none" strike="noStrike" cap="none" normalizeH="0" baseline="0" dirty="0" smtClean="0">
+                <a:ln>
+                  <a:noFill/>
+                </a:ln>
+                <a:solidFill>
+                  <a:schemeClr val="tx1"/>
+                </a:solidFill>
+                <a:effectLst/>
+                <a:latin typeface="Calibri" pitchFamily="34" charset="0"/>
+                <a:ea typeface="Calibri" pitchFamily="34" charset="0"/>
+                <a:cs typeface="Times New Roman" pitchFamily="18" charset="0"/>
+              </a:rPr>
+              <a:t> Project Assignment</a:t>
+            </a:r>
+            <a:r>
+              <a:rPr kumimoji="0" lang="en-US" sz="4000" b="1" i="0" u="none" strike="noStrike" cap="none" normalizeH="0" dirty="0" smtClean="0">
+                <a:ln>
+                  <a:noFill/>
+                </a:ln>
+                <a:solidFill>
+                  <a:schemeClr val="tx1"/>
+                </a:solidFill>
+                <a:effectLst/>
+                <a:latin typeface="Calibri" pitchFamily="34" charset="0"/>
+                <a:ea typeface="Calibri" pitchFamily="34" charset="0"/>
+                <a:cs typeface="Times New Roman" pitchFamily="18" charset="0"/>
+              </a:rPr>
+              <a:t> </a:t>
+            </a:r>
+            <a:r>
+              <a:rPr kumimoji="0" lang="en-US" sz="4000" b="1" i="0" u="none" strike="noStrike" cap="none" normalizeH="0" baseline="0" dirty="0" smtClean="0">
+                <a:ln>
+                  <a:noFill/>
+                </a:ln>
+                <a:solidFill>
+                  <a:schemeClr val="tx1"/>
+                </a:solidFill>
+                <a:effectLst/>
+                <a:latin typeface="Calibri" pitchFamily="34" charset="0"/>
+                <a:ea typeface="Calibri" pitchFamily="34" charset="0"/>
+                <a:cs typeface="Times New Roman" pitchFamily="18" charset="0"/>
+              </a:rPr>
+              <a:t>configuration</a:t>
+            </a:r>
+            <a:endParaRPr kumimoji="0" lang="en-US" sz="4000" b="0" i="0" u="none" strike="noStrike" cap="none" normalizeH="0" baseline="0" dirty="0" smtClean="0">
+              <a:ln>
+                <a:noFill/>
+              </a:ln>
+              <a:solidFill>
+                <a:schemeClr val="tx1"/>
+              </a:solidFill>
+              <a:effectLst/>
+              <a:latin typeface="Arial" pitchFamily="34" charset="0"/>
+              <a:cs typeface="Arial" pitchFamily="34" charset="0"/>
+            </a:endParaRPr>
+          </a:p>
+        </p:txBody>
+      </p:sp>
+    </p:spTree>
+  </p:cSld>
+  <p:clrMapOvr>
+    <a:masterClrMapping/>
+  </p:clrMapOvr>
+  <p:timing>
+    <p:tnLst>
+      <p:par>
+        <p:cTn id="1" dur="indefinite" restart="never" nodeType="tmRoot"/>
+      </p:par>
+    </p:tnLst>
+  </p:timing>
+</p:sld>
+</file>
+
 <file path=ppt/slides/slide3.xml><?xml version="1.0" encoding="utf-8"?>
 <p:sld xmlns:a="http://schemas.openxmlformats.org/drawingml/2006/main" xmlns:r="http://schemas.openxmlformats.org/officeDocument/2006/relationships" xmlns:p="http://schemas.openxmlformats.org/presentationml/2006/main">
   <p:cSld>
@@ -5713,7 +6222,23 @@
                 <a:ea typeface="Calibri" pitchFamily="34" charset="0"/>
                 <a:cs typeface="Times New Roman" pitchFamily="18" charset="0"/>
               </a:rPr>
-              <a:t>Go to download folders and double click the </a:t>
+              <a:t>Go to download folders </a:t>
+            </a:r>
+            <a:r>
+              <a:rPr lang="en-US" sz="2000" dirty="0" smtClean="0">
+                <a:latin typeface="Calibri" pitchFamily="34" charset="0"/>
+                <a:ea typeface="Calibri" pitchFamily="34" charset="0"/>
+                <a:cs typeface="Times New Roman" pitchFamily="18" charset="0"/>
+              </a:rPr>
+              <a:t>on your laptop and </a:t>
+            </a:r>
+            <a:r>
+              <a:rPr lang="en-US" sz="2000" dirty="0" smtClean="0">
+                <a:latin typeface="Calibri" pitchFamily="34" charset="0"/>
+                <a:ea typeface="Calibri" pitchFamily="34" charset="0"/>
+                <a:cs typeface="Times New Roman" pitchFamily="18" charset="0"/>
+              </a:rPr>
+              <a:t>double click the </a:t>
             </a:r>
             <a:r>
               <a:rPr lang="en-US" sz="2000" dirty="0" err="1" smtClean="0">
@@ -5774,22 +6299,7 @@
                 <a:ea typeface="Calibri" pitchFamily="34" charset="0"/>
                 <a:cs typeface="Times New Roman" pitchFamily="18" charset="0"/>
               </a:rPr>
-              <a:t>Install </a:t>
-            </a:r>
-            <a:r>
-              <a:rPr kumimoji="0" lang="en-US" sz="2000" b="0" i="0" u="none" strike="noStrike" cap="none" normalizeH="0" baseline="0" dirty="0" smtClean="0">
-                <a:ln>
-                  <a:noFill/>
-                </a:ln>
-                <a:solidFill>
-                  <a:schemeClr val="tx1"/>
-                </a:solidFill>
-                <a:effectLst/>
-                <a:latin typeface="Calibri" pitchFamily="34" charset="0"/>
-                <a:ea typeface="Calibri" pitchFamily="34" charset="0"/>
-                <a:cs typeface="Times New Roman" pitchFamily="18" charset="0"/>
-              </a:rPr>
-              <a:t>java (use default values from java installer and complete installation (click next </a:t>
+              <a:t>Install java (use default values from java installer and complete installation (click next </a:t>
             </a:r>
             <a:r>
               <a:rPr kumimoji="0" lang="en-US" sz="2000" b="0" i="0" u="none" strike="noStrike" cap="none" normalizeH="0" baseline="0" dirty="0" err="1" smtClean="0">
@@ -5863,22 +6373,7 @@
                 <a:ea typeface="Calibri" pitchFamily="34" charset="0"/>
                 <a:cs typeface="Times New Roman" pitchFamily="18" charset="0"/>
               </a:rPr>
-              <a:t>Check in Program Files for folder C:\Program </a:t>
-            </a:r>
-            <a:r>
-              <a:rPr kumimoji="0" lang="en-US" sz="2000" b="0" i="0" u="none" strike="noStrike" cap="none" normalizeH="0" baseline="0" dirty="0" smtClean="0">
-                <a:ln>
-                  <a:noFill/>
-                </a:ln>
-                <a:solidFill>
-                  <a:schemeClr val="tx1"/>
-                </a:solidFill>
-                <a:effectLst/>
-                <a:latin typeface="Calibri" pitchFamily="34" charset="0"/>
-                <a:ea typeface="Calibri" pitchFamily="34" charset="0"/>
-                <a:cs typeface="Times New Roman" pitchFamily="18" charset="0"/>
-              </a:rPr>
-              <a:t>Files\Java</a:t>
+              <a:t>Check in Program Files for folder C:\Program Files\Java</a:t>
             </a:r>
           </a:p>
           <a:p>
@@ -7527,6 +8022,21 @@
               <a:tabLst/>
             </a:pPr>
             <a:r>
+              <a:rPr kumimoji="0" lang="en-US" sz="4000" b="1" i="0" u="none" strike="noStrike" cap="none" normalizeH="0" baseline="0" dirty="0" err="1" smtClean="0">
+                <a:ln>
+                  <a:noFill/>
+                </a:ln>
+                <a:solidFill>
+                  <a:schemeClr val="tx1"/>
+                </a:solidFill>
+                <a:effectLst/>
+                <a:latin typeface="Calibri" pitchFamily="34" charset="0"/>
+                <a:ea typeface="Calibri" pitchFamily="34" charset="0"/>
+                <a:cs typeface="Times New Roman" pitchFamily="18" charset="0"/>
+              </a:rPr>
+              <a:t>Github</a:t>
+            </a:r>
+            <a:r>
               <a:rPr kumimoji="0" lang="en-US" sz="4000" b="1" i="0" u="none" strike="noStrike" cap="none" normalizeH="0" baseline="0" dirty="0" smtClean="0">
                 <a:ln>
                   <a:noFill/>
@@ -7539,7 +8049,7 @@
                 <a:ea typeface="Calibri" pitchFamily="34" charset="0"/>
                 <a:cs typeface="Times New Roman" pitchFamily="18" charset="0"/>
               </a:rPr>
-              <a:t>Java project Configuration </a:t>
+              <a:t> desktop install</a:t>
             </a:r>
             <a:endParaRPr kumimoji="0" lang="en-US" sz="4000" b="0" i="0" u="none" strike="noStrike" cap="none" normalizeH="0" baseline="0" dirty="0" smtClean="0">
               <a:ln>
@@ -7587,58 +8097,69 @@
           <a:chExt cx="0" cy="0"/>
         </a:xfrm>
       </p:grpSpPr>
-      <p:pic>
-        <p:nvPicPr>
-          <p:cNvPr id="25602" name="Picture 2"/>
-          <p:cNvPicPr>
-            <a:picLocks noChangeAspect="1" noChangeArrowheads="1"/>
-          </p:cNvPicPr>
+      <p:sp>
+        <p:nvSpPr>
+          <p:cNvPr id="8" name="Rectangle 7"/>
+          <p:cNvSpPr/>
           <p:nvPr/>
-        </p:nvPicPr>
-        <p:blipFill>
-          <a:blip r:embed="rId2" cstate="print"/>
-          <a:srcRect/>
-          <a:stretch>
-            <a:fillRect/>
-          </a:stretch>
-        </p:blipFill>
-        <p:spPr bwMode="auto">
-          <a:xfrm>
-            <a:off x="838200" y="1066800"/>
-            <a:ext cx="6067425" cy="2771775"/>
+        </p:nvSpPr>
+        <p:spPr>
+          <a:xfrm>
+            <a:off x="838200" y="838200"/>
+            <a:ext cx="4644605" cy="707886"/>
           </a:xfrm>
           <a:prstGeom prst="rect">
             <a:avLst/>
           </a:prstGeom>
-          <a:noFill/>
-          <a:ln w="9525">
-            <a:noFill/>
-            <a:miter lim="800000"/>
-            <a:headEnd/>
-            <a:tailEnd/>
-          </a:ln>
-        </p:spPr>
-      </p:pic>
-      <p:sp>
-        <p:nvSpPr>
-          <p:cNvPr id="5" name="Rectangle 4"/>
-          <p:cNvSpPr/>
-          <p:nvPr/>
-        </p:nvSpPr>
-        <p:spPr>
-          <a:xfrm>
-            <a:off x="381000" y="304800"/>
-            <a:ext cx="6934200" cy="707886"/>
-          </a:xfrm>
-          <a:prstGeom prst="rect">
-            <a:avLst/>
-          </a:prstGeom>
-        </p:spPr>
-        <p:txBody>
-          <a:bodyPr wrap="square">
+        </p:spPr>
+        <p:txBody>
+          <a:bodyPr wrap="none">
             <a:spAutoFit/>
           </a:bodyPr>
           <a:lstStyle/>
+          <a:p>
+            <a:pPr lvl="1" eaLnBrk="0" fontAlgn="base" hangingPunct="0">
+              <a:spcBef>
+                <a:spcPct val="0"/>
+              </a:spcBef>
+              <a:spcAft>
+                <a:spcPct val="0"/>
+              </a:spcAft>
+              <a:buFontTx/>
+              <a:buAutoNum type="arabicPeriod"/>
+            </a:pPr>
+            <a:r>
+              <a:rPr lang="en-US" sz="2000" dirty="0" smtClean="0">
+                <a:latin typeface="Calibri" pitchFamily="34" charset="0"/>
+                <a:ea typeface="Calibri" pitchFamily="34" charset="0"/>
+                <a:cs typeface="Times New Roman" pitchFamily="18" charset="0"/>
+              </a:rPr>
+              <a:t> Go to </a:t>
+            </a:r>
+            <a:r>
+              <a:rPr lang="en-US" sz="2000" dirty="0" smtClean="0">
+                <a:latin typeface="Calibri" pitchFamily="34" charset="0"/>
+                <a:ea typeface="Calibri" pitchFamily="34" charset="0"/>
+                <a:cs typeface="Times New Roman" pitchFamily="18" charset="0"/>
+                <a:hlinkClick r:id="rId2"/>
+              </a:rPr>
+              <a:t>https://desktop.github.com</a:t>
+            </a:r>
+            <a:r>
+              <a:rPr lang="en-US" sz="2000" dirty="0" smtClean="0">
+                <a:latin typeface="Calibri" pitchFamily="34" charset="0"/>
+                <a:ea typeface="Calibri" pitchFamily="34" charset="0"/>
+                <a:cs typeface="Times New Roman" pitchFamily="18" charset="0"/>
+                <a:hlinkClick r:id="rId2"/>
+              </a:rPr>
+              <a:t>/</a:t>
+            </a:r>
+            <a:endParaRPr lang="en-US" sz="2000" dirty="0" smtClean="0">
+              <a:latin typeface="Calibri" pitchFamily="34" charset="0"/>
+              <a:ea typeface="Calibri" pitchFamily="34" charset="0"/>
+              <a:cs typeface="Times New Roman" pitchFamily="18" charset="0"/>
+            </a:endParaRPr>
+          </a:p>
           <a:p>
             <a:pPr lvl="1" eaLnBrk="0" fontAlgn="base" hangingPunct="0">
               <a:spcBef>
@@ -7660,10 +8181,51 @@
                 </a:solidFill>
                 <a:effectLst/>
                 <a:latin typeface="Calibri" pitchFamily="34" charset="0"/>
-                <a:ea typeface="Calibri" pitchFamily="34" charset="0"/>
                 <a:cs typeface="Times New Roman" pitchFamily="18" charset="0"/>
               </a:rPr>
-              <a:t>Double click spring green icon from desktop</a:t>
+              <a:t>Download</a:t>
+            </a:r>
+            <a:r>
+              <a:rPr kumimoji="0" lang="en-US" sz="2000" b="0" i="0" u="none" strike="noStrike" cap="none" normalizeH="0" dirty="0" smtClean="0">
+                <a:ln>
+                  <a:noFill/>
+                </a:ln>
+                <a:solidFill>
+                  <a:schemeClr val="tx1"/>
+                </a:solidFill>
+                <a:effectLst/>
+                <a:latin typeface="Calibri" pitchFamily="34" charset="0"/>
+                <a:cs typeface="Times New Roman" pitchFamily="18" charset="0"/>
+              </a:rPr>
+              <a:t> and install </a:t>
+            </a:r>
+            <a:r>
+              <a:rPr kumimoji="0" lang="en-US" sz="2000" b="0" i="0" u="none" strike="noStrike" cap="none" normalizeH="0" dirty="0" err="1" smtClean="0">
+                <a:ln>
+                  <a:noFill/>
+                </a:ln>
+                <a:solidFill>
+                  <a:schemeClr val="tx1"/>
+                </a:solidFill>
+                <a:effectLst/>
+                <a:latin typeface="Calibri" pitchFamily="34" charset="0"/>
+                <a:cs typeface="Times New Roman" pitchFamily="18" charset="0"/>
+              </a:rPr>
+              <a:t>github</a:t>
+            </a:r>
+            <a:r>
+              <a:rPr kumimoji="0" lang="en-US" sz="2000" b="0" i="0" u="none" strike="noStrike" cap="none" normalizeH="0" smtClean="0">
+                <a:ln>
+                  <a:noFill/>
+                </a:ln>
+                <a:solidFill>
+                  <a:schemeClr val="tx1"/>
+                </a:solidFill>
+                <a:effectLst/>
+                <a:latin typeface="Calibri" pitchFamily="34" charset="0"/>
+                <a:cs typeface="Times New Roman" pitchFamily="18" charset="0"/>
+              </a:rPr>
+              <a:t> desktop</a:t>
             </a:r>
             <a:endParaRPr kumimoji="0" lang="en-US" sz="2000" b="0" i="0" u="none" strike="noStrike" cap="none" normalizeH="0" baseline="0" dirty="0" smtClean="0">
               <a:ln>
@@ -7677,117 +8239,6 @@
               <a:cs typeface="Arial" pitchFamily="34" charset="0"/>
             </a:endParaRPr>
           </a:p>
-          <a:p>
-            <a:pPr lvl="1" eaLnBrk="0" fontAlgn="base" hangingPunct="0">
-              <a:spcBef>
-                <a:spcPct val="0"/>
-              </a:spcBef>
-              <a:spcAft>
-                <a:spcPct val="0"/>
-              </a:spcAft>
-              <a:buFontTx/>
-              <a:buAutoNum type="arabicPeriod"/>
-            </a:pPr>
-            <a:r>
-              <a:rPr kumimoji="0" lang="en-US" sz="2000" b="0" i="0" u="none" strike="noStrike" cap="none" normalizeH="0" baseline="0" dirty="0" smtClean="0">
-                <a:ln>
-                  <a:noFill/>
-                </a:ln>
-                <a:solidFill>
-                  <a:schemeClr val="tx1"/>
-                </a:solidFill>
-                <a:effectLst/>
-                <a:latin typeface="Calibri" pitchFamily="34" charset="0"/>
-                <a:ea typeface="Calibri" pitchFamily="34" charset="0"/>
-                <a:cs typeface="Times New Roman" pitchFamily="18" charset="0"/>
-              </a:rPr>
-              <a:t>Enter location where you would like to keep java projects</a:t>
-            </a:r>
-          </a:p>
-        </p:txBody>
-      </p:sp>
-      <p:pic>
-        <p:nvPicPr>
-          <p:cNvPr id="6" name="Picture 5"/>
-          <p:cNvPicPr/>
-          <p:nvPr/>
-        </p:nvPicPr>
-        <p:blipFill>
-          <a:blip r:embed="rId3" cstate="print"/>
-          <a:srcRect/>
-          <a:stretch>
-            <a:fillRect/>
-          </a:stretch>
-        </p:blipFill>
-        <p:spPr bwMode="auto">
-          <a:xfrm>
-            <a:off x="685800" y="4800600"/>
-            <a:ext cx="7391400" cy="1676400"/>
-          </a:xfrm>
-          <a:prstGeom prst="rect">
-            <a:avLst/>
-          </a:prstGeom>
-          <a:noFill/>
-          <a:ln w="9525">
-            <a:noFill/>
-            <a:miter lim="800000"/>
-            <a:headEnd/>
-            <a:tailEnd/>
-          </a:ln>
-        </p:spPr>
-      </p:pic>
-      <p:sp>
-        <p:nvSpPr>
-          <p:cNvPr id="7" name="Rectangle 6"/>
-          <p:cNvSpPr/>
-          <p:nvPr/>
-        </p:nvSpPr>
-        <p:spPr>
-          <a:xfrm>
-            <a:off x="609600" y="4114800"/>
-            <a:ext cx="7696200" cy="646331"/>
-          </a:xfrm>
-          <a:prstGeom prst="rect">
-            <a:avLst/>
-          </a:prstGeom>
-        </p:spPr>
-        <p:txBody>
-          <a:bodyPr wrap="square">
-            <a:spAutoFit/>
-          </a:bodyPr>
-          <a:lstStyle/>
-          <a:p>
-            <a:pPr eaLnBrk="0" fontAlgn="base" hangingPunct="0">
-              <a:spcBef>
-                <a:spcPct val="0"/>
-              </a:spcBef>
-              <a:spcAft>
-                <a:spcPct val="0"/>
-              </a:spcAft>
-              <a:buFontTx/>
-              <a:buAutoNum type="arabicPeriod"/>
-            </a:pPr>
-            <a:r>
-              <a:rPr lang="en-US" dirty="0" smtClean="0"/>
-              <a:t>Click file in left top corner</a:t>
-            </a:r>
-          </a:p>
-          <a:p>
-            <a:pPr eaLnBrk="0" fontAlgn="base" hangingPunct="0">
-              <a:spcBef>
-                <a:spcPct val="0"/>
-              </a:spcBef>
-              <a:spcAft>
-                <a:spcPct val="0"/>
-              </a:spcAft>
-              <a:buFontTx/>
-              <a:buAutoNum type="arabicPeriod"/>
-            </a:pPr>
-            <a:r>
-              <a:rPr lang="en-US" dirty="0" smtClean="0"/>
-              <a:t>Select new &gt; java project</a:t>
-            </a:r>
-          </a:p>
         </p:txBody>
       </p:sp>
     </p:spTree>
@@ -7795,6 +8246,13 @@
   <p:clrMapOvr>
     <a:masterClrMapping/>
   </p:clrMapOvr>
+  <p:timing>
+    <p:tnLst>
+      <p:par>
+        <p:cTn id="1" dur="indefinite" restart="never" nodeType="tmRoot"/>
+      </p:par>
+    </p:tnLst>
+  </p:timing>
 </p:sld>
 </file>
 
